--- a/05_revue_de_projet/revue_01/02_arnaud_jullien/revue_01_arnaud_jullien.pptx
+++ b/05_revue_de_projet/revue_01/02_arnaud_jullien/revue_01_arnaud_jullien.pptx
@@ -7,8 +7,9 @@
   <p:sldIdLst>
     <p:sldId id="256" r:id="rId2"/>
     <p:sldId id="257" r:id="rId3"/>
-    <p:sldId id="258" r:id="rId4"/>
-    <p:sldId id="259" r:id="rId5"/>
+    <p:sldId id="259" r:id="rId4"/>
+    <p:sldId id="258" r:id="rId5"/>
+    <p:sldId id="260" r:id="rId6"/>
   </p:sldIdLst>
   <p:sldSz cx="12192000" cy="6858000"/>
   <p:notesSz cx="6858000" cy="9144000"/>
@@ -119,6 +120,836 @@
 <p1510:revInfo xmlns:a="http://schemas.openxmlformats.org/drawingml/2006/main" xmlns:r="http://schemas.openxmlformats.org/officeDocument/2006/relationships" xmlns:p1510="http://schemas.microsoft.com/office/powerpoint/2015/10/main"/>
 </file>
 
+<file path=ppt/charts/chart1.xml><?xml version="1.0" encoding="utf-8"?>
+<c:chartSpace xmlns:c="http://schemas.openxmlformats.org/drawingml/2006/chart" xmlns:a="http://schemas.openxmlformats.org/drawingml/2006/main" xmlns:r="http://schemas.openxmlformats.org/officeDocument/2006/relationships" xmlns:c16r2="http://schemas.microsoft.com/office/drawing/2015/06/chart">
+  <c:date1904 val="0"/>
+  <c:lang val="fr-FR"/>
+  <c:roundedCorners val="0"/>
+  <mc:AlternateContent xmlns:mc="http://schemas.openxmlformats.org/markup-compatibility/2006">
+    <mc:Choice xmlns:c14="http://schemas.microsoft.com/office/drawing/2007/8/2/chart" Requires="c14">
+      <c14:style val="102"/>
+    </mc:Choice>
+    <mc:Fallback>
+      <c:style val="2"/>
+    </mc:Fallback>
+  </mc:AlternateContent>
+  <c:chart>
+    <c:title>
+      <c:overlay val="0"/>
+      <c:spPr>
+        <a:noFill/>
+        <a:ln>
+          <a:noFill/>
+        </a:ln>
+        <a:effectLst/>
+      </c:spPr>
+      <c:txPr>
+        <a:bodyPr rot="0" spcFirstLastPara="1" vertOverflow="ellipsis" vert="horz" wrap="square" anchor="ctr" anchorCtr="1"/>
+        <a:lstStyle/>
+        <a:p>
+          <a:pPr>
+            <a:defRPr sz="1862" b="0" i="0" u="none" strike="noStrike" kern="1200" spc="0" baseline="0">
+              <a:solidFill>
+                <a:schemeClr val="tx1">
+                  <a:lumMod val="65000"/>
+                  <a:lumOff val="35000"/>
+                </a:schemeClr>
+              </a:solidFill>
+              <a:latin typeface="+mn-lt"/>
+              <a:ea typeface="+mn-ea"/>
+              <a:cs typeface="+mn-cs"/>
+            </a:defRPr>
+          </a:pPr>
+          <a:endParaRPr lang="fr-FR"/>
+        </a:p>
+      </c:txPr>
+    </c:title>
+    <c:autoTitleDeleted val="0"/>
+    <c:plotArea>
+      <c:layout/>
+      <c:pieChart>
+        <c:varyColors val="1"/>
+        <c:ser>
+          <c:idx val="0"/>
+          <c:order val="0"/>
+          <c:tx>
+            <c:strRef>
+              <c:f>Feuil1!$B$1</c:f>
+              <c:strCache>
+                <c:ptCount val="1"/>
+                <c:pt idx="0">
+                  <c:v>Energie en France</c:v>
+                </c:pt>
+              </c:strCache>
+            </c:strRef>
+          </c:tx>
+          <c:spPr>
+            <a:solidFill>
+              <a:schemeClr val="accent6"/>
+            </a:solidFill>
+          </c:spPr>
+          <c:dPt>
+            <c:idx val="0"/>
+            <c:bubble3D val="0"/>
+            <c:spPr>
+              <a:solidFill>
+                <a:srgbClr val="FFCC00"/>
+              </a:solidFill>
+              <a:ln w="19050">
+                <a:solidFill>
+                  <a:schemeClr val="lt1"/>
+                </a:solidFill>
+              </a:ln>
+              <a:effectLst/>
+            </c:spPr>
+            <c:extLst>
+              <c:ext xmlns:c16="http://schemas.microsoft.com/office/drawing/2014/chart" uri="{C3380CC4-5D6E-409C-BE32-E72D297353CC}">
+                <c16:uniqueId val="{00000001-81BF-43B4-B01F-C884DE7E2D96}"/>
+              </c:ext>
+            </c:extLst>
+          </c:dPt>
+          <c:dPt>
+            <c:idx val="1"/>
+            <c:bubble3D val="0"/>
+            <c:spPr>
+              <a:solidFill>
+                <a:srgbClr val="3399FF"/>
+              </a:solidFill>
+              <a:ln w="19050">
+                <a:solidFill>
+                  <a:schemeClr val="lt1"/>
+                </a:solidFill>
+              </a:ln>
+              <a:effectLst/>
+            </c:spPr>
+            <c:extLst>
+              <c:ext xmlns:c16="http://schemas.microsoft.com/office/drawing/2014/chart" uri="{C3380CC4-5D6E-409C-BE32-E72D297353CC}">
+                <c16:uniqueId val="{00000002-81BF-43B4-B01F-C884DE7E2D96}"/>
+              </c:ext>
+            </c:extLst>
+          </c:dPt>
+          <c:dPt>
+            <c:idx val="2"/>
+            <c:bubble3D val="0"/>
+            <c:spPr>
+              <a:solidFill>
+                <a:srgbClr val="D40606"/>
+              </a:solidFill>
+              <a:ln w="19050">
+                <a:solidFill>
+                  <a:schemeClr val="lt1"/>
+                </a:solidFill>
+              </a:ln>
+              <a:effectLst/>
+            </c:spPr>
+            <c:extLst>
+              <c:ext xmlns:c16="http://schemas.microsoft.com/office/drawing/2014/chart" uri="{C3380CC4-5D6E-409C-BE32-E72D297353CC}">
+                <c16:uniqueId val="{00000003-81BF-43B4-B01F-C884DE7E2D96}"/>
+              </c:ext>
+            </c:extLst>
+          </c:dPt>
+          <c:dPt>
+            <c:idx val="3"/>
+            <c:bubble3D val="0"/>
+            <c:spPr>
+              <a:solidFill>
+                <a:schemeClr val="tx1">
+                  <a:lumMod val="95000"/>
+                </a:schemeClr>
+              </a:solidFill>
+              <a:ln w="19050">
+                <a:solidFill>
+                  <a:schemeClr val="lt1"/>
+                </a:solidFill>
+              </a:ln>
+              <a:effectLst/>
+            </c:spPr>
+            <c:extLst>
+              <c:ext xmlns:c16="http://schemas.microsoft.com/office/drawing/2014/chart" uri="{C3380CC4-5D6E-409C-BE32-E72D297353CC}">
+                <c16:uniqueId val="{00000004-81BF-43B4-B01F-C884DE7E2D96}"/>
+              </c:ext>
+            </c:extLst>
+          </c:dPt>
+          <c:cat>
+            <c:strRef>
+              <c:f>Feuil1!$A$2:$A$5</c:f>
+              <c:strCache>
+                <c:ptCount val="4"/>
+                <c:pt idx="0">
+                  <c:v>Nucléaire</c:v>
+                </c:pt>
+                <c:pt idx="1">
+                  <c:v>Hydraulique</c:v>
+                </c:pt>
+                <c:pt idx="2">
+                  <c:v>Thermique à flamme</c:v>
+                </c:pt>
+                <c:pt idx="3">
+                  <c:v>Eolienne</c:v>
+                </c:pt>
+              </c:strCache>
+            </c:strRef>
+          </c:cat>
+          <c:val>
+            <c:numRef>
+              <c:f>Feuil1!$B$2:$B$5</c:f>
+              <c:numCache>
+                <c:formatCode>General</c:formatCode>
+                <c:ptCount val="4"/>
+                <c:pt idx="0">
+                  <c:v>77</c:v>
+                </c:pt>
+                <c:pt idx="1">
+                  <c:v>12.5</c:v>
+                </c:pt>
+                <c:pt idx="2">
+                  <c:v>4.8</c:v>
+                </c:pt>
+                <c:pt idx="3">
+                  <c:v>5.7</c:v>
+                </c:pt>
+              </c:numCache>
+            </c:numRef>
+          </c:val>
+          <c:extLst>
+            <c:ext xmlns:c16="http://schemas.microsoft.com/office/drawing/2014/chart" uri="{C3380CC4-5D6E-409C-BE32-E72D297353CC}">
+              <c16:uniqueId val="{00000000-81BF-43B4-B01F-C884DE7E2D96}"/>
+            </c:ext>
+          </c:extLst>
+        </c:ser>
+        <c:dLbls>
+          <c:showLegendKey val="0"/>
+          <c:showVal val="0"/>
+          <c:showCatName val="0"/>
+          <c:showSerName val="0"/>
+          <c:showPercent val="0"/>
+          <c:showBubbleSize val="0"/>
+          <c:showLeaderLines val="1"/>
+        </c:dLbls>
+        <c:firstSliceAng val="0"/>
+      </c:pieChart>
+      <c:spPr>
+        <a:noFill/>
+        <a:ln>
+          <a:noFill/>
+        </a:ln>
+        <a:effectLst/>
+      </c:spPr>
+    </c:plotArea>
+    <c:legend>
+      <c:legendPos val="b"/>
+      <c:overlay val="0"/>
+      <c:spPr>
+        <a:noFill/>
+        <a:ln>
+          <a:noFill/>
+        </a:ln>
+        <a:effectLst/>
+      </c:spPr>
+      <c:txPr>
+        <a:bodyPr rot="0" spcFirstLastPara="1" vertOverflow="ellipsis" vert="horz" wrap="square" anchor="ctr" anchorCtr="1"/>
+        <a:lstStyle/>
+        <a:p>
+          <a:pPr>
+            <a:defRPr sz="1197" b="0" i="0" u="none" strike="noStrike" kern="1200" baseline="0">
+              <a:solidFill>
+                <a:schemeClr val="tx1">
+                  <a:lumMod val="65000"/>
+                  <a:lumOff val="35000"/>
+                </a:schemeClr>
+              </a:solidFill>
+              <a:latin typeface="+mn-lt"/>
+              <a:ea typeface="+mn-ea"/>
+              <a:cs typeface="+mn-cs"/>
+            </a:defRPr>
+          </a:pPr>
+          <a:endParaRPr lang="fr-FR"/>
+        </a:p>
+      </c:txPr>
+    </c:legend>
+    <c:plotVisOnly val="1"/>
+    <c:dispBlanksAs val="gap"/>
+    <c:showDLblsOverMax val="0"/>
+  </c:chart>
+  <c:spPr>
+    <a:noFill/>
+    <a:ln>
+      <a:noFill/>
+    </a:ln>
+    <a:effectLst/>
+  </c:spPr>
+  <c:txPr>
+    <a:bodyPr/>
+    <a:lstStyle/>
+    <a:p>
+      <a:pPr>
+        <a:defRPr/>
+      </a:pPr>
+      <a:endParaRPr lang="fr-FR"/>
+    </a:p>
+  </c:txPr>
+  <c:externalData r:id="rId3">
+    <c:autoUpdate val="0"/>
+  </c:externalData>
+</c:chartSpace>
+</file>
+
+<file path=ppt/charts/colors1.xml><?xml version="1.0" encoding="utf-8"?>
+<cs:colorStyle xmlns:cs="http://schemas.microsoft.com/office/drawing/2012/chartStyle" xmlns:a="http://schemas.openxmlformats.org/drawingml/2006/main" meth="cycle" id="11">
+  <a:schemeClr val="accent1"/>
+  <a:schemeClr val="accent3"/>
+  <a:schemeClr val="accent5"/>
+  <cs:variation/>
+  <cs:variation>
+    <a:lumMod val="60000"/>
+  </cs:variation>
+  <cs:variation>
+    <a:lumMod val="80000"/>
+    <a:lumOff val="20000"/>
+  </cs:variation>
+  <cs:variation>
+    <a:lumMod val="80000"/>
+  </cs:variation>
+  <cs:variation>
+    <a:lumMod val="60000"/>
+    <a:lumOff val="40000"/>
+  </cs:variation>
+  <cs:variation>
+    <a:lumMod val="50000"/>
+  </cs:variation>
+  <cs:variation>
+    <a:lumMod val="70000"/>
+    <a:lumOff val="30000"/>
+  </cs:variation>
+  <cs:variation>
+    <a:lumMod val="70000"/>
+  </cs:variation>
+  <cs:variation>
+    <a:lumMod val="50000"/>
+    <a:lumOff val="50000"/>
+  </cs:variation>
+</cs:colorStyle>
+</file>
+
+<file path=ppt/charts/style1.xml><?xml version="1.0" encoding="utf-8"?>
+<cs:chartStyle xmlns:cs="http://schemas.microsoft.com/office/drawing/2012/chartStyle" xmlns:a="http://schemas.openxmlformats.org/drawingml/2006/main" id="251">
+  <cs:axisTitle>
+    <cs:lnRef idx="0"/>
+    <cs:fillRef idx="0"/>
+    <cs:effectRef idx="0"/>
+    <cs:fontRef idx="minor">
+      <a:schemeClr val="tx1">
+        <a:lumMod val="65000"/>
+        <a:lumOff val="35000"/>
+      </a:schemeClr>
+    </cs:fontRef>
+    <cs:defRPr sz="1330" kern="1200"/>
+  </cs:axisTitle>
+  <cs:categoryAxis>
+    <cs:lnRef idx="0"/>
+    <cs:fillRef idx="0"/>
+    <cs:effectRef idx="0"/>
+    <cs:fontRef idx="minor">
+      <a:schemeClr val="tx1">
+        <a:lumMod val="65000"/>
+        <a:lumOff val="35000"/>
+      </a:schemeClr>
+    </cs:fontRef>
+    <cs:spPr>
+      <a:ln w="9525" cap="flat" cmpd="sng" algn="ctr">
+        <a:solidFill>
+          <a:schemeClr val="tx1">
+            <a:lumMod val="15000"/>
+            <a:lumOff val="85000"/>
+          </a:schemeClr>
+        </a:solidFill>
+        <a:round/>
+      </a:ln>
+    </cs:spPr>
+    <cs:defRPr sz="1197" kern="1200"/>
+  </cs:categoryAxis>
+  <cs:chartArea mods="allowNoFillOverride allowNoLineOverride">
+    <cs:lnRef idx="0"/>
+    <cs:fillRef idx="0"/>
+    <cs:effectRef idx="0"/>
+    <cs:fontRef idx="minor">
+      <a:schemeClr val="tx1"/>
+    </cs:fontRef>
+    <cs:spPr>
+      <a:solidFill>
+        <a:schemeClr val="bg1"/>
+      </a:solidFill>
+      <a:ln w="9525" cap="flat" cmpd="sng" algn="ctr">
+        <a:solidFill>
+          <a:schemeClr val="tx1">
+            <a:lumMod val="15000"/>
+            <a:lumOff val="85000"/>
+          </a:schemeClr>
+        </a:solidFill>
+        <a:round/>
+      </a:ln>
+    </cs:spPr>
+    <cs:defRPr sz="1197" kern="1200"/>
+  </cs:chartArea>
+  <cs:dataLabel>
+    <cs:lnRef idx="0"/>
+    <cs:fillRef idx="0"/>
+    <cs:effectRef idx="0"/>
+    <cs:fontRef idx="minor">
+      <a:schemeClr val="tx1">
+        <a:lumMod val="75000"/>
+        <a:lumOff val="25000"/>
+      </a:schemeClr>
+    </cs:fontRef>
+    <cs:defRPr sz="1197" kern="1200"/>
+  </cs:dataLabel>
+  <cs:dataLabelCallout>
+    <cs:lnRef idx="0"/>
+    <cs:fillRef idx="0"/>
+    <cs:effectRef idx="0"/>
+    <cs:fontRef idx="minor">
+      <a:schemeClr val="dk1">
+        <a:lumMod val="65000"/>
+        <a:lumOff val="35000"/>
+      </a:schemeClr>
+    </cs:fontRef>
+    <cs:spPr>
+      <a:solidFill>
+        <a:schemeClr val="lt1"/>
+      </a:solidFill>
+      <a:ln>
+        <a:solidFill>
+          <a:schemeClr val="dk1">
+            <a:lumMod val="25000"/>
+            <a:lumOff val="75000"/>
+          </a:schemeClr>
+        </a:solidFill>
+      </a:ln>
+    </cs:spPr>
+    <cs:defRPr sz="1197" kern="1200"/>
+    <cs:bodyPr rot="0" spcFirstLastPara="1" vertOverflow="clip" horzOverflow="clip" vert="horz" wrap="square" lIns="36576" tIns="18288" rIns="36576" bIns="18288" anchor="ctr" anchorCtr="1">
+      <a:spAutoFit/>
+    </cs:bodyPr>
+  </cs:dataLabelCallout>
+  <cs:dataPoint>
+    <cs:lnRef idx="0"/>
+    <cs:fillRef idx="1">
+      <cs:styleClr val="auto"/>
+    </cs:fillRef>
+    <cs:effectRef idx="0"/>
+    <cs:fontRef idx="minor">
+      <a:schemeClr val="tx1"/>
+    </cs:fontRef>
+    <cs:spPr>
+      <a:ln w="19050">
+        <a:solidFill>
+          <a:schemeClr val="lt1"/>
+        </a:solidFill>
+      </a:ln>
+    </cs:spPr>
+  </cs:dataPoint>
+  <cs:dataPoint3D>
+    <cs:lnRef idx="0"/>
+    <cs:fillRef idx="1">
+      <cs:styleClr val="auto"/>
+    </cs:fillRef>
+    <cs:effectRef idx="0"/>
+    <cs:fontRef idx="minor">
+      <a:schemeClr val="tx1"/>
+    </cs:fontRef>
+    <cs:spPr>
+      <a:ln w="25400">
+        <a:solidFill>
+          <a:schemeClr val="lt1"/>
+        </a:solidFill>
+      </a:ln>
+    </cs:spPr>
+  </cs:dataPoint3D>
+  <cs:dataPointLine>
+    <cs:lnRef idx="0">
+      <cs:styleClr val="auto"/>
+    </cs:lnRef>
+    <cs:fillRef idx="0"/>
+    <cs:effectRef idx="0"/>
+    <cs:fontRef idx="minor">
+      <a:schemeClr val="tx1"/>
+    </cs:fontRef>
+    <cs:spPr>
+      <a:ln w="28575" cap="rnd">
+        <a:solidFill>
+          <a:schemeClr val="phClr"/>
+        </a:solidFill>
+        <a:round/>
+      </a:ln>
+    </cs:spPr>
+  </cs:dataPointLine>
+  <cs:dataPointMarker>
+    <cs:lnRef idx="0">
+      <cs:styleClr val="auto"/>
+    </cs:lnRef>
+    <cs:fillRef idx="1">
+      <cs:styleClr val="auto"/>
+    </cs:fillRef>
+    <cs:effectRef idx="0"/>
+    <cs:fontRef idx="minor">
+      <a:schemeClr val="tx1"/>
+    </cs:fontRef>
+    <cs:spPr>
+      <a:ln w="9525">
+        <a:solidFill>
+          <a:schemeClr val="phClr"/>
+        </a:solidFill>
+      </a:ln>
+    </cs:spPr>
+  </cs:dataPointMarker>
+  <cs:dataPointMarkerLayout symbol="circle" size="5"/>
+  <cs:dataPointWireframe>
+    <cs:lnRef idx="0">
+      <cs:styleClr val="auto"/>
+    </cs:lnRef>
+    <cs:fillRef idx="0"/>
+    <cs:effectRef idx="0"/>
+    <cs:fontRef idx="minor">
+      <a:schemeClr val="tx1"/>
+    </cs:fontRef>
+    <cs:spPr>
+      <a:ln w="9525" cap="rnd">
+        <a:solidFill>
+          <a:schemeClr val="phClr"/>
+        </a:solidFill>
+        <a:round/>
+      </a:ln>
+    </cs:spPr>
+  </cs:dataPointWireframe>
+  <cs:dataTable>
+    <cs:lnRef idx="0"/>
+    <cs:fillRef idx="0"/>
+    <cs:effectRef idx="0"/>
+    <cs:fontRef idx="minor">
+      <a:schemeClr val="tx1">
+        <a:lumMod val="65000"/>
+        <a:lumOff val="35000"/>
+      </a:schemeClr>
+    </cs:fontRef>
+    <cs:spPr>
+      <a:noFill/>
+      <a:ln w="9525" cap="flat" cmpd="sng" algn="ctr">
+        <a:solidFill>
+          <a:schemeClr val="tx1">
+            <a:lumMod val="15000"/>
+            <a:lumOff val="85000"/>
+          </a:schemeClr>
+        </a:solidFill>
+        <a:round/>
+      </a:ln>
+    </cs:spPr>
+    <cs:defRPr sz="1197" kern="1200"/>
+  </cs:dataTable>
+  <cs:downBar>
+    <cs:lnRef idx="0"/>
+    <cs:fillRef idx="0"/>
+    <cs:effectRef idx="0"/>
+    <cs:fontRef idx="minor">
+      <a:schemeClr val="tx1"/>
+    </cs:fontRef>
+    <cs:spPr>
+      <a:solidFill>
+        <a:schemeClr val="dk1">
+          <a:lumMod val="75000"/>
+          <a:lumOff val="25000"/>
+        </a:schemeClr>
+      </a:solidFill>
+      <a:ln w="9525" cap="flat" cmpd="sng" algn="ctr">
+        <a:solidFill>
+          <a:schemeClr val="tx1">
+            <a:lumMod val="65000"/>
+            <a:lumOff val="35000"/>
+          </a:schemeClr>
+        </a:solidFill>
+        <a:round/>
+      </a:ln>
+    </cs:spPr>
+  </cs:downBar>
+  <cs:dropLine>
+    <cs:lnRef idx="0"/>
+    <cs:fillRef idx="0"/>
+    <cs:effectRef idx="0"/>
+    <cs:fontRef idx="minor">
+      <a:schemeClr val="tx1"/>
+    </cs:fontRef>
+    <cs:spPr>
+      <a:ln w="9525" cap="flat" cmpd="sng" algn="ctr">
+        <a:solidFill>
+          <a:schemeClr val="tx1">
+            <a:lumMod val="35000"/>
+            <a:lumOff val="65000"/>
+          </a:schemeClr>
+        </a:solidFill>
+        <a:round/>
+      </a:ln>
+    </cs:spPr>
+  </cs:dropLine>
+  <cs:errorBar>
+    <cs:lnRef idx="0"/>
+    <cs:fillRef idx="0"/>
+    <cs:effectRef idx="0"/>
+    <cs:fontRef idx="minor">
+      <a:schemeClr val="tx1"/>
+    </cs:fontRef>
+    <cs:spPr>
+      <a:ln w="9525" cap="flat" cmpd="sng" algn="ctr">
+        <a:solidFill>
+          <a:schemeClr val="tx1">
+            <a:lumMod val="65000"/>
+            <a:lumOff val="35000"/>
+          </a:schemeClr>
+        </a:solidFill>
+        <a:round/>
+      </a:ln>
+    </cs:spPr>
+  </cs:errorBar>
+  <cs:floor>
+    <cs:lnRef idx="0"/>
+    <cs:fillRef idx="0"/>
+    <cs:effectRef idx="0"/>
+    <cs:fontRef idx="minor">
+      <a:schemeClr val="tx1"/>
+    </cs:fontRef>
+    <cs:spPr>
+      <a:noFill/>
+      <a:ln>
+        <a:noFill/>
+      </a:ln>
+    </cs:spPr>
+  </cs:floor>
+  <cs:gridlineMajor>
+    <cs:lnRef idx="0"/>
+    <cs:fillRef idx="0"/>
+    <cs:effectRef idx="0"/>
+    <cs:fontRef idx="minor">
+      <a:schemeClr val="tx1"/>
+    </cs:fontRef>
+    <cs:spPr>
+      <a:ln w="9525" cap="flat" cmpd="sng" algn="ctr">
+        <a:solidFill>
+          <a:schemeClr val="tx1">
+            <a:lumMod val="15000"/>
+            <a:lumOff val="85000"/>
+          </a:schemeClr>
+        </a:solidFill>
+        <a:round/>
+      </a:ln>
+    </cs:spPr>
+  </cs:gridlineMajor>
+  <cs:gridlineMinor>
+    <cs:lnRef idx="0"/>
+    <cs:fillRef idx="0"/>
+    <cs:effectRef idx="0"/>
+    <cs:fontRef idx="minor">
+      <a:schemeClr val="tx1"/>
+    </cs:fontRef>
+    <cs:spPr>
+      <a:ln w="9525" cap="flat" cmpd="sng" algn="ctr">
+        <a:solidFill>
+          <a:schemeClr val="tx1">
+            <a:lumMod val="5000"/>
+            <a:lumOff val="95000"/>
+          </a:schemeClr>
+        </a:solidFill>
+        <a:round/>
+      </a:ln>
+    </cs:spPr>
+  </cs:gridlineMinor>
+  <cs:hiLoLine>
+    <cs:lnRef idx="0"/>
+    <cs:fillRef idx="0"/>
+    <cs:effectRef idx="0"/>
+    <cs:fontRef idx="minor">
+      <a:schemeClr val="tx1"/>
+    </cs:fontRef>
+    <cs:spPr>
+      <a:ln w="9525" cap="flat" cmpd="sng" algn="ctr">
+        <a:solidFill>
+          <a:schemeClr val="tx1">
+            <a:lumMod val="50000"/>
+            <a:lumOff val="50000"/>
+          </a:schemeClr>
+        </a:solidFill>
+        <a:round/>
+      </a:ln>
+    </cs:spPr>
+  </cs:hiLoLine>
+  <cs:leaderLine>
+    <cs:lnRef idx="0"/>
+    <cs:fillRef idx="0"/>
+    <cs:effectRef idx="0"/>
+    <cs:fontRef idx="minor">
+      <a:schemeClr val="tx1"/>
+    </cs:fontRef>
+    <cs:spPr>
+      <a:ln w="9525" cap="flat" cmpd="sng" algn="ctr">
+        <a:solidFill>
+          <a:schemeClr val="tx1">
+            <a:lumMod val="35000"/>
+            <a:lumOff val="65000"/>
+          </a:schemeClr>
+        </a:solidFill>
+        <a:round/>
+      </a:ln>
+    </cs:spPr>
+  </cs:leaderLine>
+  <cs:legend>
+    <cs:lnRef idx="0"/>
+    <cs:fillRef idx="0"/>
+    <cs:effectRef idx="0"/>
+    <cs:fontRef idx="minor">
+      <a:schemeClr val="tx1">
+        <a:lumMod val="65000"/>
+        <a:lumOff val="35000"/>
+      </a:schemeClr>
+    </cs:fontRef>
+    <cs:defRPr sz="1197" kern="1200"/>
+  </cs:legend>
+  <cs:plotArea mods="allowNoFillOverride allowNoLineOverride">
+    <cs:lnRef idx="0"/>
+    <cs:fillRef idx="0"/>
+    <cs:effectRef idx="0"/>
+    <cs:fontRef idx="minor">
+      <a:schemeClr val="tx1"/>
+    </cs:fontRef>
+  </cs:plotArea>
+  <cs:plotArea3D mods="allowNoFillOverride allowNoLineOverride">
+    <cs:lnRef idx="0"/>
+    <cs:fillRef idx="0"/>
+    <cs:effectRef idx="0"/>
+    <cs:fontRef idx="minor">
+      <a:schemeClr val="tx1"/>
+    </cs:fontRef>
+  </cs:plotArea3D>
+  <cs:seriesAxis>
+    <cs:lnRef idx="0"/>
+    <cs:fillRef idx="0"/>
+    <cs:effectRef idx="0"/>
+    <cs:fontRef idx="minor">
+      <a:schemeClr val="tx1">
+        <a:lumMod val="65000"/>
+        <a:lumOff val="35000"/>
+      </a:schemeClr>
+    </cs:fontRef>
+    <cs:defRPr sz="1197" kern="1200"/>
+  </cs:seriesAxis>
+  <cs:seriesLine>
+    <cs:lnRef idx="0"/>
+    <cs:fillRef idx="0"/>
+    <cs:effectRef idx="0"/>
+    <cs:fontRef idx="minor">
+      <a:schemeClr val="tx1"/>
+    </cs:fontRef>
+    <cs:spPr>
+      <a:ln w="9525" cap="flat" cmpd="sng" algn="ctr">
+        <a:solidFill>
+          <a:schemeClr val="tx1">
+            <a:lumMod val="35000"/>
+            <a:lumOff val="65000"/>
+          </a:schemeClr>
+        </a:solidFill>
+        <a:round/>
+      </a:ln>
+    </cs:spPr>
+  </cs:seriesLine>
+  <cs:title>
+    <cs:lnRef idx="0"/>
+    <cs:fillRef idx="0"/>
+    <cs:effectRef idx="0"/>
+    <cs:fontRef idx="minor">
+      <a:schemeClr val="tx1">
+        <a:lumMod val="65000"/>
+        <a:lumOff val="35000"/>
+      </a:schemeClr>
+    </cs:fontRef>
+    <cs:defRPr sz="1862" b="0" kern="1200" spc="0" baseline="0"/>
+  </cs:title>
+  <cs:trendline>
+    <cs:lnRef idx="0">
+      <cs:styleClr val="auto"/>
+    </cs:lnRef>
+    <cs:fillRef idx="0"/>
+    <cs:effectRef idx="0"/>
+    <cs:fontRef idx="minor">
+      <a:schemeClr val="tx1"/>
+    </cs:fontRef>
+    <cs:spPr>
+      <a:ln w="19050" cap="rnd">
+        <a:solidFill>
+          <a:schemeClr val="phClr"/>
+        </a:solidFill>
+        <a:prstDash val="sysDot"/>
+      </a:ln>
+    </cs:spPr>
+  </cs:trendline>
+  <cs:trendlineLabel>
+    <cs:lnRef idx="0"/>
+    <cs:fillRef idx="0"/>
+    <cs:effectRef idx="0"/>
+    <cs:fontRef idx="minor">
+      <a:schemeClr val="tx1">
+        <a:lumMod val="65000"/>
+        <a:lumOff val="35000"/>
+      </a:schemeClr>
+    </cs:fontRef>
+    <cs:defRPr sz="1197" kern="1200"/>
+  </cs:trendlineLabel>
+  <cs:upBar>
+    <cs:lnRef idx="0"/>
+    <cs:fillRef idx="0"/>
+    <cs:effectRef idx="0"/>
+    <cs:fontRef idx="minor">
+      <a:schemeClr val="tx1"/>
+    </cs:fontRef>
+    <cs:spPr>
+      <a:solidFill>
+        <a:schemeClr val="lt1"/>
+      </a:solidFill>
+      <a:ln w="9525" cap="flat" cmpd="sng" algn="ctr">
+        <a:solidFill>
+          <a:schemeClr val="tx1">
+            <a:lumMod val="65000"/>
+            <a:lumOff val="35000"/>
+          </a:schemeClr>
+        </a:solidFill>
+        <a:round/>
+      </a:ln>
+    </cs:spPr>
+  </cs:upBar>
+  <cs:valueAxis>
+    <cs:lnRef idx="0"/>
+    <cs:fillRef idx="0"/>
+    <cs:effectRef idx="0"/>
+    <cs:fontRef idx="minor">
+      <a:schemeClr val="tx1">
+        <a:lumMod val="65000"/>
+        <a:lumOff val="35000"/>
+      </a:schemeClr>
+    </cs:fontRef>
+    <cs:defRPr sz="1197" kern="1200"/>
+  </cs:valueAxis>
+  <cs:wall>
+    <cs:lnRef idx="0"/>
+    <cs:fillRef idx="0"/>
+    <cs:effectRef idx="0"/>
+    <cs:fontRef idx="minor">
+      <a:schemeClr val="tx1"/>
+    </cs:fontRef>
+    <cs:spPr>
+      <a:noFill/>
+      <a:ln>
+        <a:noFill/>
+      </a:ln>
+    </cs:spPr>
+  </cs:wall>
+</cs:chartStyle>
+</file>
+
 <file path=ppt/slideLayouts/slideLayout1.xml><?xml version="1.0" encoding="utf-8"?>
 <p:sldLayout xmlns:a="http://schemas.openxmlformats.org/drawingml/2006/main" xmlns:r="http://schemas.openxmlformats.org/officeDocument/2006/relationships" xmlns:p="http://schemas.openxmlformats.org/presentationml/2006/main" type="title" preserve="1">
   <p:cSld name="Diapositive de titre">
@@ -332,7 +1163,7 @@
           <a:p>
             <a:fld id="{1F5DCE98-6469-4349-83BA-9C41D5BCF405}" type="datetimeFigureOut">
               <a:rPr lang="fr-FR" smtClean="0"/>
-              <a:t>23/01/2018</a:t>
+              <a:t>25/01/2018</a:t>
             </a:fld>
             <a:endParaRPr lang="fr-FR"/>
           </a:p>
@@ -623,7 +1454,7 @@
           <a:p>
             <a:fld id="{1F5DCE98-6469-4349-83BA-9C41D5BCF405}" type="datetimeFigureOut">
               <a:rPr lang="fr-FR" smtClean="0"/>
-              <a:t>23/01/2018</a:t>
+              <a:t>25/01/2018</a:t>
             </a:fld>
             <a:endParaRPr lang="fr-FR"/>
           </a:p>
@@ -882,7 +1713,7 @@
           <a:p>
             <a:fld id="{1F5DCE98-6469-4349-83BA-9C41D5BCF405}" type="datetimeFigureOut">
               <a:rPr lang="fr-FR" smtClean="0"/>
-              <a:t>23/01/2018</a:t>
+              <a:t>25/01/2018</a:t>
             </a:fld>
             <a:endParaRPr lang="fr-FR"/>
           </a:p>
@@ -1351,7 +2182,7 @@
           <a:p>
             <a:fld id="{1F5DCE98-6469-4349-83BA-9C41D5BCF405}" type="datetimeFigureOut">
               <a:rPr lang="fr-FR" smtClean="0"/>
-              <a:t>23/01/2018</a:t>
+              <a:t>25/01/2018</a:t>
             </a:fld>
             <a:endParaRPr lang="fr-FR"/>
           </a:p>
@@ -1531,7 +2362,7 @@
           <a:p>
             <a:fld id="{1F5DCE98-6469-4349-83BA-9C41D5BCF405}" type="datetimeFigureOut">
               <a:rPr lang="fr-FR" smtClean="0"/>
-              <a:t>23/01/2018</a:t>
+              <a:t>25/01/2018</a:t>
             </a:fld>
             <a:endParaRPr lang="fr-FR"/>
           </a:p>
@@ -2107,7 +2938,7 @@
           <a:p>
             <a:fld id="{1F5DCE98-6469-4349-83BA-9C41D5BCF405}" type="datetimeFigureOut">
               <a:rPr lang="fr-FR" smtClean="0"/>
-              <a:t>23/01/2018</a:t>
+              <a:t>25/01/2018</a:t>
             </a:fld>
             <a:endParaRPr lang="fr-FR"/>
           </a:p>
@@ -2439,7 +3270,7 @@
           <a:p>
             <a:fld id="{1F5DCE98-6469-4349-83BA-9C41D5BCF405}" type="datetimeFigureOut">
               <a:rPr lang="fr-FR" smtClean="0"/>
-              <a:t>23/01/2018</a:t>
+              <a:t>25/01/2018</a:t>
             </a:fld>
             <a:endParaRPr lang="fr-FR"/>
           </a:p>
@@ -2614,7 +3445,7 @@
           <a:p>
             <a:fld id="{1F5DCE98-6469-4349-83BA-9C41D5BCF405}" type="datetimeFigureOut">
               <a:rPr lang="fr-FR" smtClean="0"/>
-              <a:t>23/01/2018</a:t>
+              <a:t>25/01/2018</a:t>
             </a:fld>
             <a:endParaRPr lang="fr-FR"/>
           </a:p>
@@ -2794,7 +3625,7 @@
           <a:p>
             <a:fld id="{1F5DCE98-6469-4349-83BA-9C41D5BCF405}" type="datetimeFigureOut">
               <a:rPr lang="fr-FR" smtClean="0"/>
-              <a:t>23/01/2018</a:t>
+              <a:t>25/01/2018</a:t>
             </a:fld>
             <a:endParaRPr lang="fr-FR"/>
           </a:p>
@@ -2964,7 +3795,7 @@
           <a:p>
             <a:fld id="{1F5DCE98-6469-4349-83BA-9C41D5BCF405}" type="datetimeFigureOut">
               <a:rPr lang="fr-FR" smtClean="0"/>
-              <a:t>23/01/2018</a:t>
+              <a:t>25/01/2018</a:t>
             </a:fld>
             <a:endParaRPr lang="fr-FR"/>
           </a:p>
@@ -3221,7 +4052,7 @@
           <a:p>
             <a:fld id="{1F5DCE98-6469-4349-83BA-9C41D5BCF405}" type="datetimeFigureOut">
               <a:rPr lang="fr-FR" smtClean="0"/>
-              <a:t>23/01/2018</a:t>
+              <a:t>25/01/2018</a:t>
             </a:fld>
             <a:endParaRPr lang="fr-FR"/>
           </a:p>
@@ -3513,7 +4344,7 @@
           <a:p>
             <a:fld id="{1F5DCE98-6469-4349-83BA-9C41D5BCF405}" type="datetimeFigureOut">
               <a:rPr lang="fr-FR" smtClean="0"/>
-              <a:t>23/01/2018</a:t>
+              <a:t>25/01/2018</a:t>
             </a:fld>
             <a:endParaRPr lang="fr-FR"/>
           </a:p>
@@ -3943,7 +4774,7 @@
           <a:p>
             <a:fld id="{1F5DCE98-6469-4349-83BA-9C41D5BCF405}" type="datetimeFigureOut">
               <a:rPr lang="fr-FR" smtClean="0"/>
-              <a:t>23/01/2018</a:t>
+              <a:t>25/01/2018</a:t>
             </a:fld>
             <a:endParaRPr lang="fr-FR"/>
           </a:p>
@@ -4061,7 +4892,7 @@
           <a:p>
             <a:fld id="{1F5DCE98-6469-4349-83BA-9C41D5BCF405}" type="datetimeFigureOut">
               <a:rPr lang="fr-FR" smtClean="0"/>
-              <a:t>23/01/2018</a:t>
+              <a:t>25/01/2018</a:t>
             </a:fld>
             <a:endParaRPr lang="fr-FR"/>
           </a:p>
@@ -4156,7 +4987,7 @@
           <a:p>
             <a:fld id="{1F5DCE98-6469-4349-83BA-9C41D5BCF405}" type="datetimeFigureOut">
               <a:rPr lang="fr-FR" smtClean="0"/>
-              <a:t>23/01/2018</a:t>
+              <a:t>25/01/2018</a:t>
             </a:fld>
             <a:endParaRPr lang="fr-FR"/>
           </a:p>
@@ -4439,7 +5270,7 @@
           <a:p>
             <a:fld id="{1F5DCE98-6469-4349-83BA-9C41D5BCF405}" type="datetimeFigureOut">
               <a:rPr lang="fr-FR" smtClean="0"/>
-              <a:t>23/01/2018</a:t>
+              <a:t>25/01/2018</a:t>
             </a:fld>
             <a:endParaRPr lang="fr-FR"/>
           </a:p>
@@ -4730,7 +5561,7 @@
           <a:p>
             <a:fld id="{1F5DCE98-6469-4349-83BA-9C41D5BCF405}" type="datetimeFigureOut">
               <a:rPr lang="fr-FR" smtClean="0"/>
-              <a:t>23/01/2018</a:t>
+              <a:t>25/01/2018</a:t>
             </a:fld>
             <a:endParaRPr lang="fr-FR"/>
           </a:p>
@@ -4961,7 +5792,7 @@
           <a:p>
             <a:fld id="{1F5DCE98-6469-4349-83BA-9C41D5BCF405}" type="datetimeFigureOut">
               <a:rPr lang="fr-FR" smtClean="0"/>
-              <a:t>23/01/2018</a:t>
+              <a:t>25/01/2018</a:t>
             </a:fld>
             <a:endParaRPr lang="fr-FR"/>
           </a:p>
@@ -6005,42 +6836,6 @@
           <a:chExt cx="0" cy="0"/>
         </a:xfrm>
       </p:grpSpPr>
-      <p:pic>
-        <p:nvPicPr>
-          <p:cNvPr id="11" name="Image 10">
-            <a:extLst>
-              <a:ext uri="{FF2B5EF4-FFF2-40B4-BE49-F238E27FC236}">
-                <a16:creationId xmlns:a16="http://schemas.microsoft.com/office/drawing/2014/main" id="{09D433ED-4123-4885-8B62-E58AA83EC2D2}"/>
-              </a:ext>
-            </a:extLst>
-          </p:cNvPr>
-          <p:cNvPicPr>
-            <a:picLocks noChangeAspect="1"/>
-          </p:cNvPicPr>
-          <p:nvPr/>
-        </p:nvPicPr>
-        <p:blipFill>
-          <a:blip r:embed="rId2">
-            <a:extLst>
-              <a:ext uri="{28A0092B-C50C-407E-A947-70E740481C1C}">
-                <a14:useLocalDpi xmlns:a14="http://schemas.microsoft.com/office/drawing/2010/main" val="0"/>
-              </a:ext>
-            </a:extLst>
-          </a:blip>
-          <a:stretch>
-            <a:fillRect/>
-          </a:stretch>
-        </p:blipFill>
-        <p:spPr>
-          <a:xfrm>
-            <a:off x="-278191" y="66256"/>
-            <a:ext cx="4859383" cy="6858000"/>
-          </a:xfrm>
-          <a:prstGeom prst="rect">
-            <a:avLst/>
-          </a:prstGeom>
-        </p:spPr>
-      </p:pic>
       <p:sp>
         <p:nvSpPr>
           <p:cNvPr id="2" name="Titre 1">
@@ -6092,7 +6887,7 @@
         </p:nvSpPr>
         <p:spPr>
           <a:xfrm>
-            <a:off x="1072315" y="2920481"/>
+            <a:off x="1865532" y="2920481"/>
             <a:ext cx="3859795" cy="2281333"/>
           </a:xfrm>
         </p:spPr>
@@ -6112,7 +6907,11 @@
               <a:buNone/>
             </a:pPr>
             <a:r>
-              <a:rPr lang="fr-FR" dirty="0"/>
+              <a:rPr lang="fr-FR" dirty="0">
+                <a:solidFill>
+                  <a:srgbClr val="3399FF"/>
+                </a:solidFill>
+              </a:rPr>
               <a:t>Développement de l’application</a:t>
             </a:r>
           </a:p>
@@ -6133,7 +6932,11 @@
               <a:buNone/>
             </a:pPr>
             <a:r>
-              <a:rPr lang="fr-FR" dirty="0"/>
+              <a:rPr lang="fr-FR" dirty="0">
+                <a:solidFill>
+                  <a:srgbClr val="3399FF"/>
+                </a:solidFill>
+              </a:rPr>
               <a:t>Système embarqué</a:t>
             </a:r>
           </a:p>
@@ -6155,7 +6958,7 @@
         </p:nvSpPr>
         <p:spPr>
           <a:xfrm>
-            <a:off x="8092720" y="2920481"/>
+            <a:off x="7630681" y="2920481"/>
             <a:ext cx="3402595" cy="2281333"/>
           </a:xfrm>
           <a:prstGeom prst="rect">
@@ -6603,7 +7406,11 @@
               <a:buNone/>
             </a:pPr>
             <a:r>
-              <a:rPr lang="fr-FR" dirty="0"/>
+              <a:rPr lang="fr-FR" dirty="0">
+                <a:solidFill>
+                  <a:srgbClr val="3399FF"/>
+                </a:solidFill>
+              </a:rPr>
               <a:t>Développement du site web</a:t>
             </a:r>
           </a:p>
@@ -6617,7 +7424,7 @@
           <a:p>
             <a:r>
               <a:rPr lang="fr-FR" dirty="0"/>
-              <a:t>Kilian </a:t>
+              <a:t>Killian </a:t>
             </a:r>
             <a:r>
               <a:rPr lang="fr-FR" dirty="0" err="1"/>
@@ -6631,7 +7438,11 @@
               <a:buNone/>
             </a:pPr>
             <a:r>
-              <a:rPr lang="fr-FR" dirty="0"/>
+              <a:rPr lang="fr-FR" dirty="0">
+                <a:solidFill>
+                  <a:srgbClr val="3399FF"/>
+                </a:solidFill>
+              </a:rPr>
               <a:t>Mise en place des capteurs</a:t>
             </a:r>
           </a:p>
@@ -6643,6 +7454,42 @@
             <a:extLst>
               <a:ext uri="{FF2B5EF4-FFF2-40B4-BE49-F238E27FC236}">
                 <a16:creationId xmlns:a16="http://schemas.microsoft.com/office/drawing/2014/main" id="{F03CEA8B-2056-4FED-A6A0-20A9EFF96191}"/>
+              </a:ext>
+            </a:extLst>
+          </p:cNvPr>
+          <p:cNvPicPr>
+            <a:picLocks noChangeAspect="1"/>
+          </p:cNvPicPr>
+          <p:nvPr/>
+        </p:nvPicPr>
+        <p:blipFill>
+          <a:blip r:embed="rId2">
+            <a:extLst>
+              <a:ext uri="{28A0092B-C50C-407E-A947-70E740481C1C}">
+                <a14:useLocalDpi xmlns:a14="http://schemas.microsoft.com/office/drawing/2010/main" val="0"/>
+              </a:ext>
+            </a:extLst>
+          </a:blip>
+          <a:stretch>
+            <a:fillRect/>
+          </a:stretch>
+        </p:blipFill>
+        <p:spPr>
+          <a:xfrm>
+            <a:off x="9866489" y="6122696"/>
+            <a:ext cx="2325511" cy="735304"/>
+          </a:xfrm>
+          <a:prstGeom prst="rect">
+            <a:avLst/>
+          </a:prstGeom>
+        </p:spPr>
+      </p:pic>
+      <p:pic>
+        <p:nvPicPr>
+          <p:cNvPr id="7" name="Image 6">
+            <a:extLst>
+              <a:ext uri="{FF2B5EF4-FFF2-40B4-BE49-F238E27FC236}">
+                <a16:creationId xmlns:a16="http://schemas.microsoft.com/office/drawing/2014/main" id="{B3BE3FB7-828D-419B-915B-827FEF92C7CB}"/>
               </a:ext>
             </a:extLst>
           </p:cNvPr>
@@ -6665,8 +7512,116 @@
         </p:blipFill>
         <p:spPr>
           <a:xfrm>
-            <a:off x="9866489" y="6122696"/>
-            <a:ext cx="2325511" cy="735304"/>
+            <a:off x="1069819" y="4289471"/>
+            <a:ext cx="795713" cy="795713"/>
+          </a:xfrm>
+          <a:prstGeom prst="rect">
+            <a:avLst/>
+          </a:prstGeom>
+        </p:spPr>
+      </p:pic>
+      <p:pic>
+        <p:nvPicPr>
+          <p:cNvPr id="14" name="Image 13">
+            <a:extLst>
+              <a:ext uri="{FF2B5EF4-FFF2-40B4-BE49-F238E27FC236}">
+                <a16:creationId xmlns:a16="http://schemas.microsoft.com/office/drawing/2014/main" id="{A3FB4B33-6FCF-4FCA-BF21-C5883B96391B}"/>
+              </a:ext>
+            </a:extLst>
+          </p:cNvPr>
+          <p:cNvPicPr>
+            <a:picLocks noChangeAspect="1"/>
+          </p:cNvPicPr>
+          <p:nvPr/>
+        </p:nvPicPr>
+        <p:blipFill>
+          <a:blip r:embed="rId4">
+            <a:extLst>
+              <a:ext uri="{28A0092B-C50C-407E-A947-70E740481C1C}">
+                <a14:useLocalDpi xmlns:a14="http://schemas.microsoft.com/office/drawing/2010/main" val="0"/>
+              </a:ext>
+            </a:extLst>
+          </a:blip>
+          <a:stretch>
+            <a:fillRect/>
+          </a:stretch>
+        </p:blipFill>
+        <p:spPr>
+          <a:xfrm>
+            <a:off x="6765020" y="4289471"/>
+            <a:ext cx="805043" cy="805043"/>
+          </a:xfrm>
+          <a:prstGeom prst="rect">
+            <a:avLst/>
+          </a:prstGeom>
+        </p:spPr>
+      </p:pic>
+      <p:pic>
+        <p:nvPicPr>
+          <p:cNvPr id="16" name="Image 15">
+            <a:extLst>
+              <a:ext uri="{FF2B5EF4-FFF2-40B4-BE49-F238E27FC236}">
+                <a16:creationId xmlns:a16="http://schemas.microsoft.com/office/drawing/2014/main" id="{CC90557C-4040-4D97-B403-15E1AA19928B}"/>
+              </a:ext>
+            </a:extLst>
+          </p:cNvPr>
+          <p:cNvPicPr>
+            <a:picLocks noChangeAspect="1"/>
+          </p:cNvPicPr>
+          <p:nvPr/>
+        </p:nvPicPr>
+        <p:blipFill>
+          <a:blip r:embed="rId5">
+            <a:extLst>
+              <a:ext uri="{28A0092B-C50C-407E-A947-70E740481C1C}">
+                <a14:useLocalDpi xmlns:a14="http://schemas.microsoft.com/office/drawing/2010/main" val="0"/>
+              </a:ext>
+            </a:extLst>
+          </a:blip>
+          <a:stretch>
+            <a:fillRect/>
+          </a:stretch>
+        </p:blipFill>
+        <p:spPr>
+          <a:xfrm>
+            <a:off x="1069819" y="2920481"/>
+            <a:ext cx="814373" cy="814373"/>
+          </a:xfrm>
+          <a:prstGeom prst="rect">
+            <a:avLst/>
+          </a:prstGeom>
+        </p:spPr>
+      </p:pic>
+      <p:pic>
+        <p:nvPicPr>
+          <p:cNvPr id="18" name="Image 17">
+            <a:extLst>
+              <a:ext uri="{FF2B5EF4-FFF2-40B4-BE49-F238E27FC236}">
+                <a16:creationId xmlns:a16="http://schemas.microsoft.com/office/drawing/2014/main" id="{998183A2-E1E6-42E5-BB28-CC20BF9533A8}"/>
+              </a:ext>
+            </a:extLst>
+          </p:cNvPr>
+          <p:cNvPicPr>
+            <a:picLocks noChangeAspect="1"/>
+          </p:cNvPicPr>
+          <p:nvPr/>
+        </p:nvPicPr>
+        <p:blipFill>
+          <a:blip r:embed="rId6">
+            <a:extLst>
+              <a:ext uri="{28A0092B-C50C-407E-A947-70E740481C1C}">
+                <a14:useLocalDpi xmlns:a14="http://schemas.microsoft.com/office/drawing/2010/main" val="0"/>
+              </a:ext>
+            </a:extLst>
+          </a:blip>
+          <a:stretch>
+            <a:fillRect/>
+          </a:stretch>
+        </p:blipFill>
+        <p:spPr>
+          <a:xfrm>
+            <a:off x="6765020" y="2939141"/>
+            <a:ext cx="795713" cy="795713"/>
           </a:xfrm>
           <a:prstGeom prst="rect">
             <a:avLst/>
@@ -6705,10 +7660,10 @@
       </p:grpSpPr>
       <p:pic>
         <p:nvPicPr>
-          <p:cNvPr id="13" name="Image 12">
+          <p:cNvPr id="6" name="Image 5">
             <a:extLst>
               <a:ext uri="{FF2B5EF4-FFF2-40B4-BE49-F238E27FC236}">
-                <a16:creationId xmlns:a16="http://schemas.microsoft.com/office/drawing/2014/main" id="{BFA2529B-26B2-4DEA-AB1A-1E62682D85B5}"/>
+                <a16:creationId xmlns:a16="http://schemas.microsoft.com/office/drawing/2014/main" id="{F03CEA8B-2056-4FED-A6A0-20A9EFF96191}"/>
               </a:ext>
             </a:extLst>
           </p:cNvPr>
@@ -6731,18 +7686,447 @@
         </p:blipFill>
         <p:spPr>
           <a:xfrm>
-            <a:off x="-278191" y="66256"/>
-            <a:ext cx="4859383" cy="6858000"/>
+            <a:off x="9866489" y="6122696"/>
+            <a:ext cx="2325511" cy="735304"/>
           </a:xfrm>
           <a:prstGeom prst="rect">
             <a:avLst/>
           </a:prstGeom>
-          <a:noFill/>
-          <a:ln>
-            <a:noFill/>
-          </a:ln>
         </p:spPr>
       </p:pic>
+      <p:sp>
+        <p:nvSpPr>
+          <p:cNvPr id="7" name="Titre 6">
+            <a:extLst>
+              <a:ext uri="{FF2B5EF4-FFF2-40B4-BE49-F238E27FC236}">
+                <a16:creationId xmlns:a16="http://schemas.microsoft.com/office/drawing/2014/main" id="{06AB6440-86FB-4367-98A3-B3FE5F7C5B57}"/>
+              </a:ext>
+            </a:extLst>
+          </p:cNvPr>
+          <p:cNvSpPr>
+            <a:spLocks noGrp="1"/>
+          </p:cNvSpPr>
+          <p:nvPr>
+            <p:ph type="title"/>
+          </p:nvPr>
+        </p:nvSpPr>
+        <p:spPr>
+          <a:xfrm>
+            <a:off x="3091511" y="348342"/>
+            <a:ext cx="6220440" cy="1284515"/>
+          </a:xfrm>
+        </p:spPr>
+        <p:txBody>
+          <a:bodyPr/>
+          <a:lstStyle/>
+          <a:p>
+            <a:r>
+              <a:rPr lang="fr-FR" dirty="0"/>
+              <a:t>Présentation du projet</a:t>
+            </a:r>
+          </a:p>
+        </p:txBody>
+      </p:sp>
+      <p:graphicFrame>
+        <p:nvGraphicFramePr>
+          <p:cNvPr id="12" name="Graphique 11">
+            <a:extLst>
+              <a:ext uri="{FF2B5EF4-FFF2-40B4-BE49-F238E27FC236}">
+                <a16:creationId xmlns:a16="http://schemas.microsoft.com/office/drawing/2014/main" id="{CF84D83D-1ADD-4C30-A357-58A49863557F}"/>
+              </a:ext>
+            </a:extLst>
+          </p:cNvPr>
+          <p:cNvGraphicFramePr/>
+          <p:nvPr>
+            <p:extLst>
+              <p:ext uri="{D42A27DB-BD31-4B8C-83A1-F6EECF244321}">
+                <p14:modId xmlns:p14="http://schemas.microsoft.com/office/powerpoint/2010/main" val="1209729440"/>
+              </p:ext>
+            </p:extLst>
+          </p:nvPr>
+        </p:nvGraphicFramePr>
+        <p:xfrm>
+          <a:off x="930988" y="1984827"/>
+          <a:ext cx="5430052" cy="3620036"/>
+        </p:xfrm>
+        <a:graphic>
+          <a:graphicData uri="http://schemas.openxmlformats.org/drawingml/2006/chart">
+            <c:chart xmlns:c="http://schemas.openxmlformats.org/drawingml/2006/chart" xmlns:r="http://schemas.openxmlformats.org/officeDocument/2006/relationships" r:id="rId3"/>
+          </a:graphicData>
+        </a:graphic>
+      </p:graphicFrame>
+      <p:pic>
+        <p:nvPicPr>
+          <p:cNvPr id="16" name="Image 15">
+            <a:extLst>
+              <a:ext uri="{FF2B5EF4-FFF2-40B4-BE49-F238E27FC236}">
+                <a16:creationId xmlns:a16="http://schemas.microsoft.com/office/drawing/2014/main" id="{8DA24CDF-8C46-4FE2-A90B-6764335F0CA9}"/>
+              </a:ext>
+            </a:extLst>
+          </p:cNvPr>
+          <p:cNvPicPr>
+            <a:picLocks noChangeAspect="1"/>
+          </p:cNvPicPr>
+          <p:nvPr/>
+        </p:nvPicPr>
+        <p:blipFill>
+          <a:blip r:embed="rId4">
+            <a:extLst>
+              <a:ext uri="{28A0092B-C50C-407E-A947-70E740481C1C}">
+                <a14:useLocalDpi xmlns:a14="http://schemas.microsoft.com/office/drawing/2010/main" val="0"/>
+              </a:ext>
+            </a:extLst>
+          </a:blip>
+          <a:stretch>
+            <a:fillRect/>
+          </a:stretch>
+        </p:blipFill>
+        <p:spPr>
+          <a:xfrm flipH="1">
+            <a:off x="9534067" y="1564949"/>
+            <a:ext cx="1975729" cy="1975729"/>
+          </a:xfrm>
+          <a:prstGeom prst="rect">
+            <a:avLst/>
+          </a:prstGeom>
+        </p:spPr>
+      </p:pic>
+      <p:pic>
+        <p:nvPicPr>
+          <p:cNvPr id="20" name="Image 19">
+            <a:extLst>
+              <a:ext uri="{FF2B5EF4-FFF2-40B4-BE49-F238E27FC236}">
+                <a16:creationId xmlns:a16="http://schemas.microsoft.com/office/drawing/2014/main" id="{A4392134-D781-4E48-ABEA-8C9D2FF80A13}"/>
+              </a:ext>
+            </a:extLst>
+          </p:cNvPr>
+          <p:cNvPicPr>
+            <a:picLocks noChangeAspect="1"/>
+          </p:cNvPicPr>
+          <p:nvPr/>
+        </p:nvPicPr>
+        <p:blipFill>
+          <a:blip r:embed="rId5">
+            <a:extLst>
+              <a:ext uri="{28A0092B-C50C-407E-A947-70E740481C1C}">
+                <a14:useLocalDpi xmlns:a14="http://schemas.microsoft.com/office/drawing/2010/main" val="0"/>
+              </a:ext>
+            </a:extLst>
+          </a:blip>
+          <a:stretch>
+            <a:fillRect/>
+          </a:stretch>
+        </p:blipFill>
+        <p:spPr>
+          <a:xfrm>
+            <a:off x="9971161" y="4061140"/>
+            <a:ext cx="1432392" cy="1910452"/>
+          </a:xfrm>
+          <a:prstGeom prst="rect">
+            <a:avLst/>
+          </a:prstGeom>
+        </p:spPr>
+      </p:pic>
+      <p:sp>
+        <p:nvSpPr>
+          <p:cNvPr id="22" name="Titre 6">
+            <a:extLst>
+              <a:ext uri="{FF2B5EF4-FFF2-40B4-BE49-F238E27FC236}">
+                <a16:creationId xmlns:a16="http://schemas.microsoft.com/office/drawing/2014/main" id="{B997CFAC-5F7C-43AD-803B-29DDA7875CED}"/>
+              </a:ext>
+            </a:extLst>
+          </p:cNvPr>
+          <p:cNvSpPr txBox="1">
+            <a:spLocks/>
+          </p:cNvSpPr>
+          <p:nvPr/>
+        </p:nvSpPr>
+        <p:spPr>
+          <a:xfrm>
+            <a:off x="7514528" y="2444894"/>
+            <a:ext cx="2456633" cy="478972"/>
+          </a:xfrm>
+          <a:prstGeom prst="rect">
+            <a:avLst/>
+          </a:prstGeom>
+        </p:spPr>
+        <p:txBody>
+          <a:bodyPr vert="horz" lIns="91440" tIns="45720" rIns="91440" bIns="45720" rtlCol="0" anchor="ctr">
+            <a:normAutofit/>
+          </a:bodyPr>
+          <a:lstStyle>
+            <a:lvl1pPr algn="l" defTabSz="457200" rtl="0" eaLnBrk="1" latinLnBrk="0" hangingPunct="1">
+              <a:spcBef>
+                <a:spcPct val="0"/>
+              </a:spcBef>
+              <a:buNone/>
+              <a:defRPr sz="3200" kern="1200" cap="all">
+                <a:ln w="3175" cmpd="sng">
+                  <a:noFill/>
+                </a:ln>
+                <a:gradFill flip="none" rotWithShape="1">
+                  <a:gsLst>
+                    <a:gs pos="0">
+                      <a:schemeClr val="tx1"/>
+                    </a:gs>
+                    <a:gs pos="100000">
+                      <a:schemeClr val="tx1">
+                        <a:lumMod val="65000"/>
+                      </a:schemeClr>
+                    </a:gs>
+                  </a:gsLst>
+                  <a:lin ang="5580000" scaled="0"/>
+                  <a:tileRect/>
+                </a:gradFill>
+                <a:effectLst>
+                  <a:glow rad="38100">
+                    <a:schemeClr val="bg1">
+                      <a:lumMod val="65000"/>
+                      <a:lumOff val="35000"/>
+                      <a:alpha val="40000"/>
+                    </a:schemeClr>
+                  </a:glow>
+                  <a:outerShdw blurRad="28575" dist="38100" dir="14040000" algn="tl" rotWithShape="0">
+                    <a:srgbClr val="000000">
+                      <a:alpha val="25000"/>
+                    </a:srgbClr>
+                  </a:outerShdw>
+                </a:effectLst>
+                <a:latin typeface="+mj-lt"/>
+                <a:ea typeface="+mj-ea"/>
+                <a:cs typeface="+mj-cs"/>
+              </a:defRPr>
+            </a:lvl1pPr>
+            <a:lvl2pPr eaLnBrk="1" hangingPunct="1">
+              <a:defRPr>
+                <a:solidFill>
+                  <a:schemeClr val="tx2"/>
+                </a:solidFill>
+              </a:defRPr>
+            </a:lvl2pPr>
+            <a:lvl3pPr eaLnBrk="1" hangingPunct="1">
+              <a:defRPr>
+                <a:solidFill>
+                  <a:schemeClr val="tx2"/>
+                </a:solidFill>
+              </a:defRPr>
+            </a:lvl3pPr>
+            <a:lvl4pPr eaLnBrk="1" hangingPunct="1">
+              <a:defRPr>
+                <a:solidFill>
+                  <a:schemeClr val="tx2"/>
+                </a:solidFill>
+              </a:defRPr>
+            </a:lvl4pPr>
+            <a:lvl5pPr eaLnBrk="1" hangingPunct="1">
+              <a:defRPr>
+                <a:solidFill>
+                  <a:schemeClr val="tx2"/>
+                </a:solidFill>
+              </a:defRPr>
+            </a:lvl5pPr>
+            <a:lvl6pPr eaLnBrk="1" hangingPunct="1">
+              <a:defRPr>
+                <a:solidFill>
+                  <a:schemeClr val="tx2"/>
+                </a:solidFill>
+              </a:defRPr>
+            </a:lvl6pPr>
+            <a:lvl7pPr eaLnBrk="1" hangingPunct="1">
+              <a:defRPr>
+                <a:solidFill>
+                  <a:schemeClr val="tx2"/>
+                </a:solidFill>
+              </a:defRPr>
+            </a:lvl7pPr>
+            <a:lvl8pPr eaLnBrk="1" hangingPunct="1">
+              <a:defRPr>
+                <a:solidFill>
+                  <a:schemeClr val="tx2"/>
+                </a:solidFill>
+              </a:defRPr>
+            </a:lvl8pPr>
+            <a:lvl9pPr eaLnBrk="1" hangingPunct="1">
+              <a:defRPr>
+                <a:solidFill>
+                  <a:schemeClr val="tx2"/>
+                </a:solidFill>
+              </a:defRPr>
+            </a:lvl9pPr>
+          </a:lstStyle>
+          <a:p>
+            <a:r>
+              <a:rPr lang="fr-FR" sz="2000" cap="none" dirty="0"/>
+              <a:t>Eolienne vertical</a:t>
+            </a:r>
+          </a:p>
+        </p:txBody>
+      </p:sp>
+      <p:sp>
+        <p:nvSpPr>
+          <p:cNvPr id="23" name="Titre 6">
+            <a:extLst>
+              <a:ext uri="{FF2B5EF4-FFF2-40B4-BE49-F238E27FC236}">
+                <a16:creationId xmlns:a16="http://schemas.microsoft.com/office/drawing/2014/main" id="{A811D5B4-5714-4661-819B-47AA231E9B4A}"/>
+              </a:ext>
+            </a:extLst>
+          </p:cNvPr>
+          <p:cNvSpPr txBox="1">
+            <a:spLocks/>
+          </p:cNvSpPr>
+          <p:nvPr/>
+        </p:nvSpPr>
+        <p:spPr>
+          <a:xfrm>
+            <a:off x="7514528" y="4706013"/>
+            <a:ext cx="2456633" cy="478972"/>
+          </a:xfrm>
+          <a:prstGeom prst="rect">
+            <a:avLst/>
+          </a:prstGeom>
+        </p:spPr>
+        <p:txBody>
+          <a:bodyPr vert="horz" lIns="91440" tIns="45720" rIns="91440" bIns="45720" rtlCol="0" anchor="ctr">
+            <a:normAutofit fontScale="92500"/>
+          </a:bodyPr>
+          <a:lstStyle>
+            <a:lvl1pPr algn="l" defTabSz="457200" rtl="0" eaLnBrk="1" latinLnBrk="0" hangingPunct="1">
+              <a:spcBef>
+                <a:spcPct val="0"/>
+              </a:spcBef>
+              <a:buNone/>
+              <a:defRPr sz="3200" kern="1200" cap="all">
+                <a:ln w="3175" cmpd="sng">
+                  <a:noFill/>
+                </a:ln>
+                <a:gradFill flip="none" rotWithShape="1">
+                  <a:gsLst>
+                    <a:gs pos="0">
+                      <a:schemeClr val="tx1"/>
+                    </a:gs>
+                    <a:gs pos="100000">
+                      <a:schemeClr val="tx1">
+                        <a:lumMod val="65000"/>
+                      </a:schemeClr>
+                    </a:gs>
+                  </a:gsLst>
+                  <a:lin ang="5580000" scaled="0"/>
+                  <a:tileRect/>
+                </a:gradFill>
+                <a:effectLst>
+                  <a:glow rad="38100">
+                    <a:schemeClr val="bg1">
+                      <a:lumMod val="65000"/>
+                      <a:lumOff val="35000"/>
+                      <a:alpha val="40000"/>
+                    </a:schemeClr>
+                  </a:glow>
+                  <a:outerShdw blurRad="28575" dist="38100" dir="14040000" algn="tl" rotWithShape="0">
+                    <a:srgbClr val="000000">
+                      <a:alpha val="25000"/>
+                    </a:srgbClr>
+                  </a:outerShdw>
+                </a:effectLst>
+                <a:latin typeface="+mj-lt"/>
+                <a:ea typeface="+mj-ea"/>
+                <a:cs typeface="+mj-cs"/>
+              </a:defRPr>
+            </a:lvl1pPr>
+            <a:lvl2pPr eaLnBrk="1" hangingPunct="1">
+              <a:defRPr>
+                <a:solidFill>
+                  <a:schemeClr val="tx2"/>
+                </a:solidFill>
+              </a:defRPr>
+            </a:lvl2pPr>
+            <a:lvl3pPr eaLnBrk="1" hangingPunct="1">
+              <a:defRPr>
+                <a:solidFill>
+                  <a:schemeClr val="tx2"/>
+                </a:solidFill>
+              </a:defRPr>
+            </a:lvl3pPr>
+            <a:lvl4pPr eaLnBrk="1" hangingPunct="1">
+              <a:defRPr>
+                <a:solidFill>
+                  <a:schemeClr val="tx2"/>
+                </a:solidFill>
+              </a:defRPr>
+            </a:lvl4pPr>
+            <a:lvl5pPr eaLnBrk="1" hangingPunct="1">
+              <a:defRPr>
+                <a:solidFill>
+                  <a:schemeClr val="tx2"/>
+                </a:solidFill>
+              </a:defRPr>
+            </a:lvl5pPr>
+            <a:lvl6pPr eaLnBrk="1" hangingPunct="1">
+              <a:defRPr>
+                <a:solidFill>
+                  <a:schemeClr val="tx2"/>
+                </a:solidFill>
+              </a:defRPr>
+            </a:lvl6pPr>
+            <a:lvl7pPr eaLnBrk="1" hangingPunct="1">
+              <a:defRPr>
+                <a:solidFill>
+                  <a:schemeClr val="tx2"/>
+                </a:solidFill>
+              </a:defRPr>
+            </a:lvl7pPr>
+            <a:lvl8pPr eaLnBrk="1" hangingPunct="1">
+              <a:defRPr>
+                <a:solidFill>
+                  <a:schemeClr val="tx2"/>
+                </a:solidFill>
+              </a:defRPr>
+            </a:lvl8pPr>
+            <a:lvl9pPr eaLnBrk="1" hangingPunct="1">
+              <a:defRPr>
+                <a:solidFill>
+                  <a:schemeClr val="tx2"/>
+                </a:solidFill>
+              </a:defRPr>
+            </a:lvl9pPr>
+          </a:lstStyle>
+          <a:p>
+            <a:r>
+              <a:rPr lang="fr-FR" sz="2000" cap="none" dirty="0"/>
+              <a:t>Eolienne Horizontal</a:t>
+            </a:r>
+          </a:p>
+        </p:txBody>
+      </p:sp>
+    </p:spTree>
+    <p:extLst>
+      <p:ext uri="{BB962C8B-B14F-4D97-AF65-F5344CB8AC3E}">
+        <p14:creationId xmlns:p14="http://schemas.microsoft.com/office/powerpoint/2010/main" val="2546965256"/>
+      </p:ext>
+    </p:extLst>
+  </p:cSld>
+  <p:clrMapOvr>
+    <a:masterClrMapping/>
+  </p:clrMapOvr>
+</p:sld>
+</file>
+
+<file path=ppt/slides/slide4.xml><?xml version="1.0" encoding="utf-8"?>
+<p:sld xmlns:a="http://schemas.openxmlformats.org/drawingml/2006/main" xmlns:r="http://schemas.openxmlformats.org/officeDocument/2006/relationships" xmlns:p="http://schemas.openxmlformats.org/presentationml/2006/main">
+  <p:cSld>
+    <p:spTree>
+      <p:nvGrpSpPr>
+        <p:cNvPr id="1" name=""/>
+        <p:cNvGrpSpPr/>
+        <p:nvPr/>
+      </p:nvGrpSpPr>
+      <p:grpSpPr>
+        <a:xfrm>
+          <a:off x="0" y="0"/>
+          <a:ext cx="0" cy="0"/>
+          <a:chOff x="0" y="0"/>
+          <a:chExt cx="0" cy="0"/>
+        </a:xfrm>
+      </p:grpSpPr>
       <p:sp>
         <p:nvSpPr>
           <p:cNvPr id="2" name="Titre 1">
@@ -6854,7 +8238,7 @@
           <p:nvPr/>
         </p:nvPicPr>
         <p:blipFill>
-          <a:blip r:embed="rId3">
+          <a:blip r:embed="rId2">
             <a:extLst>
               <a:ext uri="{28A0092B-C50C-407E-A947-70E740481C1C}">
                 <a14:useLocalDpi xmlns:a14="http://schemas.microsoft.com/office/drawing/2010/main" val="0"/>
@@ -6890,7 +8274,7 @@
           <p:nvPr/>
         </p:nvPicPr>
         <p:blipFill>
-          <a:blip r:embed="rId4">
+          <a:blip r:embed="rId3">
             <a:extLst>
               <a:ext uri="{28A0092B-C50C-407E-A947-70E740481C1C}">
                 <a14:useLocalDpi xmlns:a14="http://schemas.microsoft.com/office/drawing/2010/main" val="0"/>
@@ -6926,7 +8310,7 @@
           <p:nvPr/>
         </p:nvPicPr>
         <p:blipFill>
-          <a:blip r:embed="rId5">
+          <a:blip r:embed="rId4">
             <a:extLst>
               <a:ext uri="{28A0092B-C50C-407E-A947-70E740481C1C}">
                 <a14:useLocalDpi xmlns:a14="http://schemas.microsoft.com/office/drawing/2010/main" val="0"/>
@@ -6962,7 +8346,7 @@
           <p:nvPr/>
         </p:nvPicPr>
         <p:blipFill>
-          <a:blip r:embed="rId6">
+          <a:blip r:embed="rId5">
             <a:extLst>
               <a:ext uri="{28A0092B-C50C-407E-A947-70E740481C1C}">
                 <a14:useLocalDpi xmlns:a14="http://schemas.microsoft.com/office/drawing/2010/main" val="0"/>
@@ -6996,7 +8380,7 @@
 </p:sld>
 </file>
 
-<file path=ppt/slides/slide4.xml><?xml version="1.0" encoding="utf-8"?>
+<file path=ppt/slides/slide5.xml><?xml version="1.0" encoding="utf-8"?>
 <p:sld xmlns:a="http://schemas.openxmlformats.org/drawingml/2006/main" xmlns:r="http://schemas.openxmlformats.org/officeDocument/2006/relationships" xmlns:p="http://schemas.openxmlformats.org/presentationml/2006/main">
   <p:cSld>
     <p:spTree>
@@ -7015,10 +8399,10 @@
       </p:grpSpPr>
       <p:pic>
         <p:nvPicPr>
-          <p:cNvPr id="13" name="Image 12">
+          <p:cNvPr id="11" name="Image 10">
             <a:extLst>
               <a:ext uri="{FF2B5EF4-FFF2-40B4-BE49-F238E27FC236}">
-                <a16:creationId xmlns:a16="http://schemas.microsoft.com/office/drawing/2014/main" id="{BFA2529B-26B2-4DEA-AB1A-1E62682D85B5}"/>
+                <a16:creationId xmlns:a16="http://schemas.microsoft.com/office/drawing/2014/main" id="{8B910C28-E141-4676-961B-2155CC175E1D}"/>
               </a:ext>
             </a:extLst>
           </p:cNvPr>
@@ -7041,8 +8425,69 @@
         </p:blipFill>
         <p:spPr>
           <a:xfrm>
-            <a:off x="-278191" y="66256"/>
-            <a:ext cx="4859383" cy="6858000"/>
+            <a:off x="9866489" y="6122696"/>
+            <a:ext cx="2325511" cy="735304"/>
+          </a:xfrm>
+          <a:prstGeom prst="rect">
+            <a:avLst/>
+          </a:prstGeom>
+        </p:spPr>
+      </p:pic>
+      <p:sp>
+        <p:nvSpPr>
+          <p:cNvPr id="6" name="Titre 5">
+            <a:extLst>
+              <a:ext uri="{FF2B5EF4-FFF2-40B4-BE49-F238E27FC236}">
+                <a16:creationId xmlns:a16="http://schemas.microsoft.com/office/drawing/2014/main" id="{3B28AAD4-701B-4C05-B815-BE7200876C48}"/>
+              </a:ext>
+            </a:extLst>
+          </p:cNvPr>
+          <p:cNvSpPr>
+            <a:spLocks noGrp="1"/>
+          </p:cNvSpPr>
+          <p:nvPr>
+            <p:ph type="title"/>
+          </p:nvPr>
+        </p:nvSpPr>
+        <p:spPr>
+          <a:xfrm>
+            <a:off x="3819298" y="145124"/>
+            <a:ext cx="4615575" cy="1265853"/>
+          </a:xfrm>
+        </p:spPr>
+        <p:txBody>
+          <a:bodyPr/>
+          <a:lstStyle/>
+          <a:p>
+            <a:r>
+              <a:rPr lang="fr-FR" dirty="0">
+                <a:solidFill>
+                  <a:schemeClr val="tx1"/>
+                </a:solidFill>
+              </a:rPr>
+              <a:t>Schéma du projet</a:t>
+            </a:r>
+          </a:p>
+        </p:txBody>
+      </p:sp>
+      <p:sp>
+        <p:nvSpPr>
+          <p:cNvPr id="12" name="Rectangle 40">
+            <a:extLst>
+              <a:ext uri="{FF2B5EF4-FFF2-40B4-BE49-F238E27FC236}">
+                <a16:creationId xmlns:a16="http://schemas.microsoft.com/office/drawing/2014/main" id="{5F0F2F87-355B-447C-AB92-1587B31A1A15}"/>
+              </a:ext>
+            </a:extLst>
+          </p:cNvPr>
+          <p:cNvSpPr>
+            <a:spLocks noChangeArrowheads="1"/>
+          </p:cNvSpPr>
+          <p:nvPr/>
+        </p:nvSpPr>
+        <p:spPr bwMode="auto">
+          <a:xfrm>
+            <a:off x="0" y="43934"/>
+            <a:ext cx="184731" cy="369332"/>
           </a:xfrm>
           <a:prstGeom prst="rect">
             <a:avLst/>
@@ -7051,47 +8496,59 @@
           <a:ln>
             <a:noFill/>
           </a:ln>
+          <a:effectLst/>
+          <a:extLst>
+            <a:ext uri="{909E8E84-426E-40DD-AFC4-6F175D3DCCD1}">
+              <a14:hiddenFill xmlns:a14="http://schemas.microsoft.com/office/drawing/2010/main">
+                <a:solidFill>
+                  <a:schemeClr val="accent1"/>
+                </a:solidFill>
+              </a14:hiddenFill>
+            </a:ext>
+            <a:ext uri="{91240B29-F687-4F45-9708-019B960494DF}">
+              <a14:hiddenLine xmlns:a14="http://schemas.microsoft.com/office/drawing/2010/main" w="9525">
+                <a:solidFill>
+                  <a:schemeClr val="tx1"/>
+                </a:solidFill>
+                <a:miter lim="800000"/>
+                <a:headEnd/>
+                <a:tailEnd/>
+              </a14:hiddenLine>
+            </a:ext>
+            <a:ext uri="{AF507438-7753-43E0-B8FC-AC1667EBCBE1}">
+              <a14:hiddenEffects xmlns:a14="http://schemas.microsoft.com/office/drawing/2010/main">
+                <a:effectLst>
+                  <a:outerShdw dist="35921" dir="2700000" algn="ctr" rotWithShape="0">
+                    <a:schemeClr val="bg2"/>
+                  </a:outerShdw>
+                </a:effectLst>
+              </a14:hiddenEffects>
+            </a:ext>
+          </a:extLst>
         </p:spPr>
-      </p:pic>
-      <p:sp>
-        <p:nvSpPr>
-          <p:cNvPr id="2" name="Titre 1">
+        <p:txBody>
+          <a:bodyPr vert="horz" wrap="none" lIns="91440" tIns="45720" rIns="91440" bIns="45720" numCol="1" anchor="ctr" anchorCtr="0" compatLnSpc="1">
+            <a:prstTxWarp prst="textNoShape">
+              <a:avLst/>
+            </a:prstTxWarp>
+            <a:spAutoFit/>
+          </a:bodyPr>
+          <a:lstStyle/>
+          <a:p>
+            <a:endParaRPr lang="fr-FR">
+              <a:solidFill>
+                <a:schemeClr val="bg1"/>
+              </a:solidFill>
+            </a:endParaRPr>
+          </a:p>
+        </p:txBody>
+      </p:sp>
+      <p:pic>
+        <p:nvPicPr>
+          <p:cNvPr id="52" name="Image 51">
             <a:extLst>
               <a:ext uri="{FF2B5EF4-FFF2-40B4-BE49-F238E27FC236}">
-                <a16:creationId xmlns:a16="http://schemas.microsoft.com/office/drawing/2014/main" id="{71F52973-9E34-4B64-BFE4-2E42711F3666}"/>
-              </a:ext>
-            </a:extLst>
-          </p:cNvPr>
-          <p:cNvSpPr>
-            <a:spLocks noGrp="1"/>
-          </p:cNvSpPr>
-          <p:nvPr>
-            <p:ph type="title"/>
-          </p:nvPr>
-        </p:nvSpPr>
-        <p:spPr>
-          <a:xfrm>
-            <a:off x="4345086" y="330036"/>
-            <a:ext cx="9905998" cy="1905000"/>
-          </a:xfrm>
-        </p:spPr>
-        <p:txBody>
-          <a:bodyPr/>
-          <a:lstStyle/>
-          <a:p>
-            <a:r>
-              <a:rPr lang="fr-FR" dirty="0"/>
-              <a:t>Schéma du projet</a:t>
-            </a:r>
-          </a:p>
-        </p:txBody>
-      </p:sp>
-      <p:pic>
-        <p:nvPicPr>
-          <p:cNvPr id="11" name="Image 10">
-            <a:extLst>
-              <a:ext uri="{FF2B5EF4-FFF2-40B4-BE49-F238E27FC236}">
-                <a16:creationId xmlns:a16="http://schemas.microsoft.com/office/drawing/2014/main" id="{8B910C28-E141-4676-961B-2155CC175E1D}"/>
+                <a16:creationId xmlns:a16="http://schemas.microsoft.com/office/drawing/2014/main" id="{E35D1392-9000-4B32-9A43-CFF2D7EEE0EC}"/>
               </a:ext>
             </a:extLst>
           </p:cNvPr>
@@ -7101,49 +8558,15 @@
           <p:nvPr/>
         </p:nvPicPr>
         <p:blipFill>
-          <a:blip r:embed="rId3">
-            <a:extLst>
-              <a:ext uri="{28A0092B-C50C-407E-A947-70E740481C1C}">
-                <a14:useLocalDpi xmlns:a14="http://schemas.microsoft.com/office/drawing/2010/main" val="0"/>
-              </a:ext>
-            </a:extLst>
-          </a:blip>
+          <a:blip r:embed="rId3"/>
           <a:stretch>
             <a:fillRect/>
           </a:stretch>
         </p:blipFill>
         <p:spPr>
           <a:xfrm>
-            <a:off x="9866489" y="6122696"/>
-            <a:ext cx="2325511" cy="735304"/>
-          </a:xfrm>
-          <a:prstGeom prst="rect">
-            <a:avLst/>
-          </a:prstGeom>
-        </p:spPr>
-      </p:pic>
-      <p:pic>
-        <p:nvPicPr>
-          <p:cNvPr id="12" name="Image 11">
-            <a:extLst>
-              <a:ext uri="{FF2B5EF4-FFF2-40B4-BE49-F238E27FC236}">
-                <a16:creationId xmlns:a16="http://schemas.microsoft.com/office/drawing/2014/main" id="{7739AD4B-12BD-48D6-85A9-EA67F4612310}"/>
-              </a:ext>
-            </a:extLst>
-          </p:cNvPr>
-          <p:cNvPicPr/>
-          <p:nvPr/>
-        </p:nvPicPr>
-        <p:blipFill>
-          <a:blip r:embed="rId4"/>
-          <a:stretch>
-            <a:fillRect/>
-          </a:stretch>
-        </p:blipFill>
-        <p:spPr>
-          <a:xfrm>
-            <a:off x="4106404" y="2084096"/>
-            <a:ext cx="5760085" cy="4038600"/>
+            <a:off x="1999862" y="1276590"/>
+            <a:ext cx="7731968" cy="5213758"/>
           </a:xfrm>
           <a:prstGeom prst="rect">
             <a:avLst/>
@@ -7153,7 +8576,7 @@
     </p:spTree>
     <p:extLst>
       <p:ext uri="{BB962C8B-B14F-4D97-AF65-F5344CB8AC3E}">
-        <p14:creationId xmlns:p14="http://schemas.microsoft.com/office/powerpoint/2010/main" val="3239618466"/>
+        <p14:creationId xmlns:p14="http://schemas.microsoft.com/office/powerpoint/2010/main" val="957326807"/>
       </p:ext>
     </p:extLst>
   </p:cSld>

--- a/05_revue_de_projet/revue_01/02_arnaud_jullien/revue_01_arnaud_jullien.pptx
+++ b/05_revue_de_projet/revue_01/02_arnaud_jullien/revue_01_arnaud_jullien.pptx
@@ -135,6 +135,14 @@
   </mc:AlternateContent>
   <c:chart>
     <c:title>
+      <c:layout>
+        <c:manualLayout>
+          <c:xMode val="edge"/>
+          <c:yMode val="edge"/>
+          <c:x val="0.305859133577358"/>
+          <c:y val="3.5082524041197383E-2"/>
+        </c:manualLayout>
+      </c:layout>
       <c:overlay val="0"/>
       <c:spPr>
         <a:noFill/>
@@ -188,6 +196,7 @@
               <a:schemeClr val="accent6"/>
             </a:solidFill>
           </c:spPr>
+          <c:explosion val="1"/>
           <c:dPt>
             <c:idx val="0"/>
             <c:bubble3D val="0"/>
@@ -270,6 +279,222 @@
               </c:ext>
             </c:extLst>
           </c:dPt>
+          <c:dLbls>
+            <c:dLbl>
+              <c:idx val="0"/>
+              <c:spPr>
+                <a:noFill/>
+                <a:ln>
+                  <a:noFill/>
+                </a:ln>
+                <a:effectLst/>
+              </c:spPr>
+              <c:txPr>
+                <a:bodyPr rot="0" spcFirstLastPara="1" vertOverflow="ellipsis" vert="horz" wrap="square" lIns="38100" tIns="19050" rIns="38100" bIns="19050" anchor="ctr" anchorCtr="1">
+                  <a:spAutoFit/>
+                </a:bodyPr>
+                <a:lstStyle/>
+                <a:p>
+                  <a:pPr>
+                    <a:defRPr sz="1197" b="1" i="0" u="none" strike="noStrike" kern="1200" baseline="0">
+                      <a:solidFill>
+                        <a:schemeClr val="bg1"/>
+                      </a:solidFill>
+                      <a:latin typeface="+mn-lt"/>
+                      <a:ea typeface="+mn-ea"/>
+                      <a:cs typeface="+mn-cs"/>
+                    </a:defRPr>
+                  </a:pPr>
+                  <a:endParaRPr lang="fr-FR"/>
+                </a:p>
+              </c:txPr>
+              <c:dLblPos val="bestFit"/>
+              <c:showLegendKey val="0"/>
+              <c:showVal val="1"/>
+              <c:showCatName val="0"/>
+              <c:showSerName val="0"/>
+              <c:showPercent val="0"/>
+              <c:showBubbleSize val="0"/>
+              <c:extLst>
+                <c:ext xmlns:c16="http://schemas.microsoft.com/office/drawing/2014/chart" uri="{C3380CC4-5D6E-409C-BE32-E72D297353CC}">
+                  <c16:uniqueId val="{00000001-81BF-43B4-B01F-C884DE7E2D96}"/>
+                </c:ext>
+              </c:extLst>
+            </c:dLbl>
+            <c:dLbl>
+              <c:idx val="1"/>
+              <c:spPr>
+                <a:noFill/>
+                <a:ln>
+                  <a:noFill/>
+                </a:ln>
+                <a:effectLst/>
+              </c:spPr>
+              <c:txPr>
+                <a:bodyPr rot="0" spcFirstLastPara="1" vertOverflow="ellipsis" vert="horz" wrap="square" lIns="38100" tIns="19050" rIns="38100" bIns="19050" anchor="ctr" anchorCtr="1">
+                  <a:spAutoFit/>
+                </a:bodyPr>
+                <a:lstStyle/>
+                <a:p>
+                  <a:pPr>
+                    <a:defRPr sz="1197" b="1" i="0" u="none" strike="noStrike" kern="1200" baseline="0">
+                      <a:solidFill>
+                        <a:schemeClr val="bg1"/>
+                      </a:solidFill>
+                      <a:latin typeface="+mn-lt"/>
+                      <a:ea typeface="+mn-ea"/>
+                      <a:cs typeface="+mn-cs"/>
+                    </a:defRPr>
+                  </a:pPr>
+                  <a:endParaRPr lang="fr-FR"/>
+                </a:p>
+              </c:txPr>
+              <c:dLblPos val="bestFit"/>
+              <c:showLegendKey val="0"/>
+              <c:showVal val="1"/>
+              <c:showCatName val="0"/>
+              <c:showSerName val="0"/>
+              <c:showPercent val="0"/>
+              <c:showBubbleSize val="0"/>
+              <c:extLst>
+                <c:ext xmlns:c16="http://schemas.microsoft.com/office/drawing/2014/chart" uri="{C3380CC4-5D6E-409C-BE32-E72D297353CC}">
+                  <c16:uniqueId val="{00000002-81BF-43B4-B01F-C884DE7E2D96}"/>
+                </c:ext>
+              </c:extLst>
+            </c:dLbl>
+            <c:dLbl>
+              <c:idx val="2"/>
+              <c:spPr>
+                <a:noFill/>
+                <a:ln>
+                  <a:noFill/>
+                </a:ln>
+                <a:effectLst/>
+              </c:spPr>
+              <c:txPr>
+                <a:bodyPr rot="0" spcFirstLastPara="1" vertOverflow="ellipsis" vert="horz" wrap="square" lIns="38100" tIns="19050" rIns="38100" bIns="19050" anchor="ctr" anchorCtr="1">
+                  <a:spAutoFit/>
+                </a:bodyPr>
+                <a:lstStyle/>
+                <a:p>
+                  <a:pPr>
+                    <a:defRPr sz="1197" b="1" i="0" u="none" strike="noStrike" kern="1200" baseline="0">
+                      <a:solidFill>
+                        <a:schemeClr val="bg1"/>
+                      </a:solidFill>
+                      <a:latin typeface="+mn-lt"/>
+                      <a:ea typeface="+mn-ea"/>
+                      <a:cs typeface="+mn-cs"/>
+                    </a:defRPr>
+                  </a:pPr>
+                  <a:endParaRPr lang="fr-FR"/>
+                </a:p>
+              </c:txPr>
+              <c:dLblPos val="bestFit"/>
+              <c:showLegendKey val="0"/>
+              <c:showVal val="1"/>
+              <c:showCatName val="0"/>
+              <c:showSerName val="0"/>
+              <c:showPercent val="0"/>
+              <c:showBubbleSize val="0"/>
+              <c:extLst>
+                <c:ext xmlns:c16="http://schemas.microsoft.com/office/drawing/2014/chart" uri="{C3380CC4-5D6E-409C-BE32-E72D297353CC}">
+                  <c16:uniqueId val="{00000003-81BF-43B4-B01F-C884DE7E2D96}"/>
+                </c:ext>
+              </c:extLst>
+            </c:dLbl>
+            <c:dLbl>
+              <c:idx val="3"/>
+              <c:tx>
+                <c:rich>
+                  <a:bodyPr/>
+                  <a:lstStyle/>
+                  <a:p>
+                    <a:fld id="{397D194A-DBD6-42EA-A396-18EFBC8FB9BE}" type="VALUE">
+                      <a:rPr lang="en-US">
+                        <a:solidFill>
+                          <a:schemeClr val="bg1"/>
+                        </a:solidFill>
+                      </a:rPr>
+                      <a:pPr/>
+                      <a:t>[VALEUR]</a:t>
+                    </a:fld>
+                    <a:endParaRPr lang="fr-FR"/>
+                  </a:p>
+                </c:rich>
+              </c:tx>
+              <c:dLblPos val="bestFit"/>
+              <c:showLegendKey val="0"/>
+              <c:showVal val="1"/>
+              <c:showCatName val="0"/>
+              <c:showSerName val="0"/>
+              <c:showPercent val="0"/>
+              <c:showBubbleSize val="0"/>
+              <c:extLst>
+                <c:ext xmlns:c15="http://schemas.microsoft.com/office/drawing/2012/chart" uri="{CE6537A1-D6FC-4f65-9D91-7224C49458BB}">
+                  <c15:dlblFieldTable/>
+                  <c15:showDataLabelsRange val="0"/>
+                </c:ext>
+                <c:ext xmlns:c16="http://schemas.microsoft.com/office/drawing/2014/chart" uri="{C3380CC4-5D6E-409C-BE32-E72D297353CC}">
+                  <c16:uniqueId val="{00000004-81BF-43B4-B01F-C884DE7E2D96}"/>
+                </c:ext>
+              </c:extLst>
+            </c:dLbl>
+            <c:spPr>
+              <a:noFill/>
+              <a:ln>
+                <a:noFill/>
+              </a:ln>
+              <a:effectLst/>
+            </c:spPr>
+            <c:txPr>
+              <a:bodyPr rot="0" spcFirstLastPara="1" vertOverflow="ellipsis" vert="horz" wrap="square" lIns="38100" tIns="19050" rIns="38100" bIns="19050" anchor="ctr" anchorCtr="1">
+                <a:spAutoFit/>
+              </a:bodyPr>
+              <a:lstStyle/>
+              <a:p>
+                <a:pPr>
+                  <a:defRPr sz="1197" b="1" i="0" u="none" strike="noStrike" kern="1200" baseline="0">
+                    <a:solidFill>
+                      <a:schemeClr val="tx1">
+                        <a:lumMod val="75000"/>
+                        <a:lumOff val="25000"/>
+                      </a:schemeClr>
+                    </a:solidFill>
+                    <a:latin typeface="+mn-lt"/>
+                    <a:ea typeface="+mn-ea"/>
+                    <a:cs typeface="+mn-cs"/>
+                  </a:defRPr>
+                </a:pPr>
+                <a:endParaRPr lang="fr-FR"/>
+              </a:p>
+            </c:txPr>
+            <c:dLblPos val="bestFit"/>
+            <c:showLegendKey val="0"/>
+            <c:showVal val="1"/>
+            <c:showCatName val="0"/>
+            <c:showSerName val="0"/>
+            <c:showPercent val="0"/>
+            <c:showBubbleSize val="0"/>
+            <c:showLeaderLines val="1"/>
+            <c:leaderLines>
+              <c:spPr>
+                <a:ln w="9525" cap="flat" cmpd="sng" algn="ctr">
+                  <a:solidFill>
+                    <a:schemeClr val="tx1">
+                      <a:lumMod val="35000"/>
+                      <a:lumOff val="65000"/>
+                    </a:schemeClr>
+                  </a:solidFill>
+                  <a:round/>
+                </a:ln>
+                <a:effectLst/>
+              </c:spPr>
+            </c:leaderLines>
+            <c:extLst>
+              <c:ext xmlns:c15="http://schemas.microsoft.com/office/drawing/2012/chart" uri="{CE6537A1-D6FC-4f65-9D91-7224C49458BB}"/>
+            </c:extLst>
+          </c:dLbls>
           <c:cat>
             <c:strRef>
               <c:f>Feuil1!$A$2:$A$5</c:f>
@@ -318,8 +543,9 @@
           </c:extLst>
         </c:ser>
         <c:dLbls>
+          <c:dLblPos val="bestFit"/>
           <c:showLegendKey val="0"/>
-          <c:showVal val="0"/>
+          <c:showVal val="1"/>
           <c:showCatName val="0"/>
           <c:showSerName val="0"/>
           <c:showPercent val="0"/>
@@ -1163,7 +1389,7 @@
           <a:p>
             <a:fld id="{1F5DCE98-6469-4349-83BA-9C41D5BCF405}" type="datetimeFigureOut">
               <a:rPr lang="fr-FR" smtClean="0"/>
-              <a:t>25/01/2018</a:t>
+              <a:t>29/01/2018</a:t>
             </a:fld>
             <a:endParaRPr lang="fr-FR"/>
           </a:p>
@@ -1454,7 +1680,7 @@
           <a:p>
             <a:fld id="{1F5DCE98-6469-4349-83BA-9C41D5BCF405}" type="datetimeFigureOut">
               <a:rPr lang="fr-FR" smtClean="0"/>
-              <a:t>25/01/2018</a:t>
+              <a:t>29/01/2018</a:t>
             </a:fld>
             <a:endParaRPr lang="fr-FR"/>
           </a:p>
@@ -1713,7 +1939,7 @@
           <a:p>
             <a:fld id="{1F5DCE98-6469-4349-83BA-9C41D5BCF405}" type="datetimeFigureOut">
               <a:rPr lang="fr-FR" smtClean="0"/>
-              <a:t>25/01/2018</a:t>
+              <a:t>29/01/2018</a:t>
             </a:fld>
             <a:endParaRPr lang="fr-FR"/>
           </a:p>
@@ -2182,7 +2408,7 @@
           <a:p>
             <a:fld id="{1F5DCE98-6469-4349-83BA-9C41D5BCF405}" type="datetimeFigureOut">
               <a:rPr lang="fr-FR" smtClean="0"/>
-              <a:t>25/01/2018</a:t>
+              <a:t>29/01/2018</a:t>
             </a:fld>
             <a:endParaRPr lang="fr-FR"/>
           </a:p>
@@ -2362,7 +2588,7 @@
           <a:p>
             <a:fld id="{1F5DCE98-6469-4349-83BA-9C41D5BCF405}" type="datetimeFigureOut">
               <a:rPr lang="fr-FR" smtClean="0"/>
-              <a:t>25/01/2018</a:t>
+              <a:t>29/01/2018</a:t>
             </a:fld>
             <a:endParaRPr lang="fr-FR"/>
           </a:p>
@@ -2938,7 +3164,7 @@
           <a:p>
             <a:fld id="{1F5DCE98-6469-4349-83BA-9C41D5BCF405}" type="datetimeFigureOut">
               <a:rPr lang="fr-FR" smtClean="0"/>
-              <a:t>25/01/2018</a:t>
+              <a:t>29/01/2018</a:t>
             </a:fld>
             <a:endParaRPr lang="fr-FR"/>
           </a:p>
@@ -3270,7 +3496,7 @@
           <a:p>
             <a:fld id="{1F5DCE98-6469-4349-83BA-9C41D5BCF405}" type="datetimeFigureOut">
               <a:rPr lang="fr-FR" smtClean="0"/>
-              <a:t>25/01/2018</a:t>
+              <a:t>29/01/2018</a:t>
             </a:fld>
             <a:endParaRPr lang="fr-FR"/>
           </a:p>
@@ -3445,7 +3671,7 @@
           <a:p>
             <a:fld id="{1F5DCE98-6469-4349-83BA-9C41D5BCF405}" type="datetimeFigureOut">
               <a:rPr lang="fr-FR" smtClean="0"/>
-              <a:t>25/01/2018</a:t>
+              <a:t>29/01/2018</a:t>
             </a:fld>
             <a:endParaRPr lang="fr-FR"/>
           </a:p>
@@ -3625,7 +3851,7 @@
           <a:p>
             <a:fld id="{1F5DCE98-6469-4349-83BA-9C41D5BCF405}" type="datetimeFigureOut">
               <a:rPr lang="fr-FR" smtClean="0"/>
-              <a:t>25/01/2018</a:t>
+              <a:t>29/01/2018</a:t>
             </a:fld>
             <a:endParaRPr lang="fr-FR"/>
           </a:p>
@@ -3795,7 +4021,7 @@
           <a:p>
             <a:fld id="{1F5DCE98-6469-4349-83BA-9C41D5BCF405}" type="datetimeFigureOut">
               <a:rPr lang="fr-FR" smtClean="0"/>
-              <a:t>25/01/2018</a:t>
+              <a:t>29/01/2018</a:t>
             </a:fld>
             <a:endParaRPr lang="fr-FR"/>
           </a:p>
@@ -4052,7 +4278,7 @@
           <a:p>
             <a:fld id="{1F5DCE98-6469-4349-83BA-9C41D5BCF405}" type="datetimeFigureOut">
               <a:rPr lang="fr-FR" smtClean="0"/>
-              <a:t>25/01/2018</a:t>
+              <a:t>29/01/2018</a:t>
             </a:fld>
             <a:endParaRPr lang="fr-FR"/>
           </a:p>
@@ -4344,7 +4570,7 @@
           <a:p>
             <a:fld id="{1F5DCE98-6469-4349-83BA-9C41D5BCF405}" type="datetimeFigureOut">
               <a:rPr lang="fr-FR" smtClean="0"/>
-              <a:t>25/01/2018</a:t>
+              <a:t>29/01/2018</a:t>
             </a:fld>
             <a:endParaRPr lang="fr-FR"/>
           </a:p>
@@ -4774,7 +5000,7 @@
           <a:p>
             <a:fld id="{1F5DCE98-6469-4349-83BA-9C41D5BCF405}" type="datetimeFigureOut">
               <a:rPr lang="fr-FR" smtClean="0"/>
-              <a:t>25/01/2018</a:t>
+              <a:t>29/01/2018</a:t>
             </a:fld>
             <a:endParaRPr lang="fr-FR"/>
           </a:p>
@@ -4892,7 +5118,7 @@
           <a:p>
             <a:fld id="{1F5DCE98-6469-4349-83BA-9C41D5BCF405}" type="datetimeFigureOut">
               <a:rPr lang="fr-FR" smtClean="0"/>
-              <a:t>25/01/2018</a:t>
+              <a:t>29/01/2018</a:t>
             </a:fld>
             <a:endParaRPr lang="fr-FR"/>
           </a:p>
@@ -4987,7 +5213,7 @@
           <a:p>
             <a:fld id="{1F5DCE98-6469-4349-83BA-9C41D5BCF405}" type="datetimeFigureOut">
               <a:rPr lang="fr-FR" smtClean="0"/>
-              <a:t>25/01/2018</a:t>
+              <a:t>29/01/2018</a:t>
             </a:fld>
             <a:endParaRPr lang="fr-FR"/>
           </a:p>
@@ -5270,7 +5496,7 @@
           <a:p>
             <a:fld id="{1F5DCE98-6469-4349-83BA-9C41D5BCF405}" type="datetimeFigureOut">
               <a:rPr lang="fr-FR" smtClean="0"/>
-              <a:t>25/01/2018</a:t>
+              <a:t>29/01/2018</a:t>
             </a:fld>
             <a:endParaRPr lang="fr-FR"/>
           </a:p>
@@ -5561,7 +5787,7 @@
           <a:p>
             <a:fld id="{1F5DCE98-6469-4349-83BA-9C41D5BCF405}" type="datetimeFigureOut">
               <a:rPr lang="fr-FR" smtClean="0"/>
-              <a:t>25/01/2018</a:t>
+              <a:t>29/01/2018</a:t>
             </a:fld>
             <a:endParaRPr lang="fr-FR"/>
           </a:p>
@@ -5792,7 +6018,7 @@
           <a:p>
             <a:fld id="{1F5DCE98-6469-4349-83BA-9C41D5BCF405}" type="datetimeFigureOut">
               <a:rPr lang="fr-FR" smtClean="0"/>
-              <a:t>25/01/2018</a:t>
+              <a:t>29/01/2018</a:t>
             </a:fld>
             <a:endParaRPr lang="fr-FR"/>
           </a:p>
@@ -7424,13 +7650,8 @@
           <a:p>
             <a:r>
               <a:rPr lang="fr-FR" dirty="0"/>
-              <a:t>Killian </a:t>
-            </a:r>
-            <a:r>
-              <a:rPr lang="fr-FR" dirty="0" err="1"/>
-              <a:t>Labattut</a:t>
-            </a:r>
-            <a:endParaRPr lang="fr-FR" dirty="0"/>
+              <a:t>Killian Labattut</a:t>
+            </a:r>
           </a:p>
           <a:p>
             <a:pPr marL="0" indent="0">
@@ -7740,7 +7961,7 @@
           <p:nvPr>
             <p:extLst>
               <p:ext uri="{D42A27DB-BD31-4B8C-83A1-F6EECF244321}">
-                <p14:modId xmlns:p14="http://schemas.microsoft.com/office/powerpoint/2010/main" val="1209729440"/>
+                <p14:modId xmlns:p14="http://schemas.microsoft.com/office/powerpoint/2010/main" val="9905184"/>
               </p:ext>
             </p:extLst>
           </p:nvPr>
@@ -8187,8 +8408,29 @@
               <a:rPr lang="fr-FR" dirty="0">
                 <a:effectLst/>
               </a:rPr>
-              <a:t>programmer la commande consigne en python</a:t>
-            </a:r>
+              <a:t>programmer la commande consigne en python </a:t>
+            </a:r>
+            <a:r>
+              <a:rPr lang="fr-FR" dirty="0" err="1">
+                <a:effectLst/>
+              </a:rPr>
+              <a:t>manon</a:t>
+            </a:r>
+            <a:r>
+              <a:rPr lang="fr-FR" dirty="0">
+                <a:effectLst/>
+              </a:rPr>
+              <a:t> est </a:t>
+            </a:r>
+            <a:r>
+              <a:rPr lang="fr-FR" dirty="0" err="1">
+                <a:effectLst/>
+              </a:rPr>
+              <a:t>geniale</a:t>
+            </a:r>
+            <a:endParaRPr lang="fr-FR" dirty="0">
+              <a:effectLst/>
+            </a:endParaRPr>
           </a:p>
           <a:p>
             <a:pPr marL="0" indent="0">
@@ -8573,6 +8815,43 @@
           </a:prstGeom>
         </p:spPr>
       </p:pic>
+      <p:sp>
+        <p:nvSpPr>
+          <p:cNvPr id="2" name="ZoneTexte 1">
+            <a:extLst>
+              <a:ext uri="{FF2B5EF4-FFF2-40B4-BE49-F238E27FC236}">
+                <a16:creationId xmlns:a16="http://schemas.microsoft.com/office/drawing/2014/main" id="{8AF65D3D-85A3-4F2A-8B70-6D9B7527E7D0}"/>
+              </a:ext>
+            </a:extLst>
+          </p:cNvPr>
+          <p:cNvSpPr txBox="1"/>
+          <p:nvPr/>
+        </p:nvSpPr>
+        <p:spPr>
+          <a:xfrm>
+            <a:off x="6578083" y="2369976"/>
+            <a:ext cx="889924" cy="577081"/>
+          </a:xfrm>
+          <a:prstGeom prst="rect">
+            <a:avLst/>
+          </a:prstGeom>
+          <a:solidFill>
+            <a:srgbClr val="00B050"/>
+          </a:solidFill>
+        </p:spPr>
+        <p:txBody>
+          <a:bodyPr wrap="square" rtlCol="0">
+            <a:spAutoFit/>
+          </a:bodyPr>
+          <a:lstStyle/>
+          <a:p>
+            <a:r>
+              <a:rPr lang="fr-FR" sz="1050" dirty="0"/>
+              <a:t>Capteur Force du vent</a:t>
+            </a:r>
+          </a:p>
+        </p:txBody>
+      </p:sp>
     </p:spTree>
     <p:extLst>
       <p:ext uri="{BB962C8B-B14F-4D97-AF65-F5344CB8AC3E}">
